--- a/Nov-12/Module Hierarchy.pptx
+++ b/Nov-12/Module Hierarchy.pptx
@@ -6,6 +6,7 @@
   </p:sldMasterIdLst>
   <p:sldIdLst>
     <p:sldId id="256" r:id="rId2"/>
+    <p:sldId id="257" r:id="rId3"/>
   </p:sldIdLst>
   <p:sldSz cx="12192000" cy="6858000"/>
   <p:notesSz cx="6858000" cy="9144000"/>
@@ -104,10 +105,762 @@
       </a:defRPr>
     </a:lvl9pPr>
   </p:defaultTextStyle>
+  <p:extLst>
+    <p:ext uri="{EFAFB233-063F-42B5-8137-9DF3F51BA10A}">
+      <p15:sldGuideLst xmlns:p15="http://schemas.microsoft.com/office/powerpoint/2012/main"/>
+    </p:ext>
+  </p:extLst>
 </p:presentation>
 </file>
 
 <file path=ppt/diagrams/colors1.xml><?xml version="1.0" encoding="utf-8"?>
+<dgm:colorsDef xmlns:dgm="http://schemas.openxmlformats.org/drawingml/2006/diagram" xmlns:a="http://schemas.openxmlformats.org/drawingml/2006/main" uniqueId="urn:microsoft.com/office/officeart/2005/8/colors/accent1_2">
+  <dgm:title val=""/>
+  <dgm:desc val=""/>
+  <dgm:catLst>
+    <dgm:cat type="accent1" pri="11200"/>
+  </dgm:catLst>
+  <dgm:styleLbl name="node0">
+    <dgm:fillClrLst meth="repeat">
+      <a:schemeClr val="accent1"/>
+    </dgm:fillClrLst>
+    <dgm:linClrLst meth="repeat">
+      <a:schemeClr val="lt1"/>
+    </dgm:linClrLst>
+    <dgm:effectClrLst/>
+    <dgm:txLinClrLst/>
+    <dgm:txFillClrLst/>
+    <dgm:txEffectClrLst/>
+  </dgm:styleLbl>
+  <dgm:styleLbl name="alignNode1">
+    <dgm:fillClrLst meth="repeat">
+      <a:schemeClr val="accent1"/>
+    </dgm:fillClrLst>
+    <dgm:linClrLst meth="repeat">
+      <a:schemeClr val="accent1"/>
+    </dgm:linClrLst>
+    <dgm:effectClrLst/>
+    <dgm:txLinClrLst/>
+    <dgm:txFillClrLst/>
+    <dgm:txEffectClrLst/>
+  </dgm:styleLbl>
+  <dgm:styleLbl name="node1">
+    <dgm:fillClrLst meth="repeat">
+      <a:schemeClr val="accent1"/>
+    </dgm:fillClrLst>
+    <dgm:linClrLst meth="repeat">
+      <a:schemeClr val="lt1"/>
+    </dgm:linClrLst>
+    <dgm:effectClrLst/>
+    <dgm:txLinClrLst/>
+    <dgm:txFillClrLst/>
+    <dgm:txEffectClrLst/>
+  </dgm:styleLbl>
+  <dgm:styleLbl name="lnNode1">
+    <dgm:fillClrLst meth="repeat">
+      <a:schemeClr val="accent1"/>
+    </dgm:fillClrLst>
+    <dgm:linClrLst meth="repeat">
+      <a:schemeClr val="lt1"/>
+    </dgm:linClrLst>
+    <dgm:effectClrLst/>
+    <dgm:txLinClrLst/>
+    <dgm:txFillClrLst/>
+    <dgm:txEffectClrLst/>
+  </dgm:styleLbl>
+  <dgm:styleLbl name="vennNode1">
+    <dgm:fillClrLst meth="repeat">
+      <a:schemeClr val="accent1">
+        <a:alpha val="50000"/>
+      </a:schemeClr>
+    </dgm:fillClrLst>
+    <dgm:linClrLst meth="repeat">
+      <a:schemeClr val="lt1"/>
+    </dgm:linClrLst>
+    <dgm:effectClrLst/>
+    <dgm:txLinClrLst/>
+    <dgm:txFillClrLst/>
+    <dgm:txEffectClrLst/>
+  </dgm:styleLbl>
+  <dgm:styleLbl name="node2">
+    <dgm:fillClrLst meth="repeat">
+      <a:schemeClr val="accent1"/>
+    </dgm:fillClrLst>
+    <dgm:linClrLst meth="repeat">
+      <a:schemeClr val="lt1"/>
+    </dgm:linClrLst>
+    <dgm:effectClrLst/>
+    <dgm:txLinClrLst/>
+    <dgm:txFillClrLst/>
+    <dgm:txEffectClrLst/>
+  </dgm:styleLbl>
+  <dgm:styleLbl name="node3">
+    <dgm:fillClrLst meth="repeat">
+      <a:schemeClr val="accent1"/>
+    </dgm:fillClrLst>
+    <dgm:linClrLst meth="repeat">
+      <a:schemeClr val="lt1"/>
+    </dgm:linClrLst>
+    <dgm:effectClrLst/>
+    <dgm:txLinClrLst/>
+    <dgm:txFillClrLst/>
+    <dgm:txEffectClrLst/>
+  </dgm:styleLbl>
+  <dgm:styleLbl name="node4">
+    <dgm:fillClrLst meth="repeat">
+      <a:schemeClr val="accent1"/>
+    </dgm:fillClrLst>
+    <dgm:linClrLst meth="repeat">
+      <a:schemeClr val="lt1"/>
+    </dgm:linClrLst>
+    <dgm:effectClrLst/>
+    <dgm:txLinClrLst/>
+    <dgm:txFillClrLst/>
+    <dgm:txEffectClrLst/>
+  </dgm:styleLbl>
+  <dgm:styleLbl name="fgImgPlace1">
+    <dgm:fillClrLst meth="repeat">
+      <a:schemeClr val="accent1">
+        <a:tint val="50000"/>
+      </a:schemeClr>
+    </dgm:fillClrLst>
+    <dgm:linClrLst meth="repeat">
+      <a:schemeClr val="lt1"/>
+    </dgm:linClrLst>
+    <dgm:effectClrLst/>
+    <dgm:txLinClrLst/>
+    <dgm:txFillClrLst meth="repeat">
+      <a:schemeClr val="lt1"/>
+    </dgm:txFillClrLst>
+    <dgm:txEffectClrLst/>
+  </dgm:styleLbl>
+  <dgm:styleLbl name="alignImgPlace1">
+    <dgm:fillClrLst meth="repeat">
+      <a:schemeClr val="accent1">
+        <a:tint val="50000"/>
+      </a:schemeClr>
+    </dgm:fillClrLst>
+    <dgm:linClrLst meth="repeat">
+      <a:schemeClr val="lt1"/>
+    </dgm:linClrLst>
+    <dgm:effectClrLst/>
+    <dgm:txLinClrLst/>
+    <dgm:txFillClrLst meth="repeat">
+      <a:schemeClr val="lt1"/>
+    </dgm:txFillClrLst>
+    <dgm:txEffectClrLst/>
+  </dgm:styleLbl>
+  <dgm:styleLbl name="bgImgPlace1">
+    <dgm:fillClrLst meth="repeat">
+      <a:schemeClr val="accent1">
+        <a:tint val="50000"/>
+      </a:schemeClr>
+    </dgm:fillClrLst>
+    <dgm:linClrLst meth="repeat">
+      <a:schemeClr val="lt1"/>
+    </dgm:linClrLst>
+    <dgm:effectClrLst/>
+    <dgm:txLinClrLst/>
+    <dgm:txFillClrLst meth="repeat">
+      <a:schemeClr val="lt1"/>
+    </dgm:txFillClrLst>
+    <dgm:txEffectClrLst/>
+  </dgm:styleLbl>
+  <dgm:styleLbl name="sibTrans2D1">
+    <dgm:fillClrLst meth="repeat">
+      <a:schemeClr val="accent1">
+        <a:tint val="60000"/>
+      </a:schemeClr>
+    </dgm:fillClrLst>
+    <dgm:linClrLst meth="repeat">
+      <a:schemeClr val="accent1">
+        <a:tint val="60000"/>
+      </a:schemeClr>
+    </dgm:linClrLst>
+    <dgm:effectClrLst/>
+    <dgm:txLinClrLst/>
+    <dgm:txFillClrLst/>
+    <dgm:txEffectClrLst/>
+  </dgm:styleLbl>
+  <dgm:styleLbl name="fgSibTrans2D1">
+    <dgm:fillClrLst meth="repeat">
+      <a:schemeClr val="accent1">
+        <a:tint val="60000"/>
+      </a:schemeClr>
+    </dgm:fillClrLst>
+    <dgm:linClrLst meth="repeat">
+      <a:schemeClr val="accent1">
+        <a:tint val="60000"/>
+      </a:schemeClr>
+    </dgm:linClrLst>
+    <dgm:effectClrLst/>
+    <dgm:txLinClrLst/>
+    <dgm:txFillClrLst/>
+    <dgm:txEffectClrLst/>
+  </dgm:styleLbl>
+  <dgm:styleLbl name="bgSibTrans2D1">
+    <dgm:fillClrLst meth="repeat">
+      <a:schemeClr val="accent1">
+        <a:tint val="60000"/>
+      </a:schemeClr>
+    </dgm:fillClrLst>
+    <dgm:linClrLst meth="repeat">
+      <a:schemeClr val="accent1">
+        <a:tint val="60000"/>
+      </a:schemeClr>
+    </dgm:linClrLst>
+    <dgm:effectClrLst/>
+    <dgm:txLinClrLst/>
+    <dgm:txFillClrLst/>
+    <dgm:txEffectClrLst/>
+  </dgm:styleLbl>
+  <dgm:styleLbl name="sibTrans1D1">
+    <dgm:fillClrLst meth="repeat">
+      <a:schemeClr val="accent1"/>
+    </dgm:fillClrLst>
+    <dgm:linClrLst meth="repeat">
+      <a:schemeClr val="accent1"/>
+    </dgm:linClrLst>
+    <dgm:effectClrLst/>
+    <dgm:txLinClrLst/>
+    <dgm:txFillClrLst meth="repeat">
+      <a:schemeClr val="tx1"/>
+    </dgm:txFillClrLst>
+    <dgm:txEffectClrLst/>
+  </dgm:styleLbl>
+  <dgm:styleLbl name="callout">
+    <dgm:fillClrLst meth="repeat">
+      <a:schemeClr val="accent1"/>
+    </dgm:fillClrLst>
+    <dgm:linClrLst meth="repeat">
+      <a:schemeClr val="accent1">
+        <a:tint val="50000"/>
+      </a:schemeClr>
+    </dgm:linClrLst>
+    <dgm:effectClrLst/>
+    <dgm:txLinClrLst/>
+    <dgm:txFillClrLst meth="repeat">
+      <a:schemeClr val="tx1"/>
+    </dgm:txFillClrLst>
+    <dgm:txEffectClrLst/>
+  </dgm:styleLbl>
+  <dgm:styleLbl name="asst0">
+    <dgm:fillClrLst meth="repeat">
+      <a:schemeClr val="accent1"/>
+    </dgm:fillClrLst>
+    <dgm:linClrLst meth="repeat">
+      <a:schemeClr val="lt1"/>
+    </dgm:linClrLst>
+    <dgm:effectClrLst/>
+    <dgm:txLinClrLst/>
+    <dgm:txFillClrLst/>
+    <dgm:txEffectClrLst/>
+  </dgm:styleLbl>
+  <dgm:styleLbl name="asst1">
+    <dgm:fillClrLst meth="repeat">
+      <a:schemeClr val="accent1"/>
+    </dgm:fillClrLst>
+    <dgm:linClrLst meth="repeat">
+      <a:schemeClr val="lt1"/>
+    </dgm:linClrLst>
+    <dgm:effectClrLst/>
+    <dgm:txLinClrLst/>
+    <dgm:txFillClrLst/>
+    <dgm:txEffectClrLst/>
+  </dgm:styleLbl>
+  <dgm:styleLbl name="asst2">
+    <dgm:fillClrLst meth="repeat">
+      <a:schemeClr val="accent1"/>
+    </dgm:fillClrLst>
+    <dgm:linClrLst meth="repeat">
+      <a:schemeClr val="lt1"/>
+    </dgm:linClrLst>
+    <dgm:effectClrLst/>
+    <dgm:txLinClrLst/>
+    <dgm:txFillClrLst/>
+    <dgm:txEffectClrLst/>
+  </dgm:styleLbl>
+  <dgm:styleLbl name="asst3">
+    <dgm:fillClrLst meth="repeat">
+      <a:schemeClr val="accent1"/>
+    </dgm:fillClrLst>
+    <dgm:linClrLst meth="repeat">
+      <a:schemeClr val="lt1"/>
+    </dgm:linClrLst>
+    <dgm:effectClrLst/>
+    <dgm:txLinClrLst/>
+    <dgm:txFillClrLst/>
+    <dgm:txEffectClrLst/>
+  </dgm:styleLbl>
+  <dgm:styleLbl name="asst4">
+    <dgm:fillClrLst meth="repeat">
+      <a:schemeClr val="accent1"/>
+    </dgm:fillClrLst>
+    <dgm:linClrLst meth="repeat">
+      <a:schemeClr val="lt1"/>
+    </dgm:linClrLst>
+    <dgm:effectClrLst/>
+    <dgm:txLinClrLst/>
+    <dgm:txFillClrLst/>
+    <dgm:txEffectClrLst/>
+  </dgm:styleLbl>
+  <dgm:styleLbl name="parChTrans2D1">
+    <dgm:fillClrLst meth="repeat">
+      <a:schemeClr val="accent1">
+        <a:tint val="60000"/>
+      </a:schemeClr>
+    </dgm:fillClrLst>
+    <dgm:linClrLst meth="repeat">
+      <a:schemeClr val="accent1">
+        <a:tint val="60000"/>
+      </a:schemeClr>
+    </dgm:linClrLst>
+    <dgm:effectClrLst/>
+    <dgm:txLinClrLst/>
+    <dgm:txFillClrLst meth="repeat">
+      <a:schemeClr val="lt1"/>
+    </dgm:txFillClrLst>
+    <dgm:txEffectClrLst/>
+  </dgm:styleLbl>
+  <dgm:styleLbl name="parChTrans2D2">
+    <dgm:fillClrLst meth="repeat">
+      <a:schemeClr val="accent1"/>
+    </dgm:fillClrLst>
+    <dgm:linClrLst meth="repeat">
+      <a:schemeClr val="accent1"/>
+    </dgm:linClrLst>
+    <dgm:effectClrLst/>
+    <dgm:txLinClrLst/>
+    <dgm:txFillClrLst meth="repeat">
+      <a:schemeClr val="lt1"/>
+    </dgm:txFillClrLst>
+    <dgm:txEffectClrLst/>
+  </dgm:styleLbl>
+  <dgm:styleLbl name="parChTrans2D3">
+    <dgm:fillClrLst meth="repeat">
+      <a:schemeClr val="accent1"/>
+    </dgm:fillClrLst>
+    <dgm:linClrLst meth="repeat">
+      <a:schemeClr val="accent1"/>
+    </dgm:linClrLst>
+    <dgm:effectClrLst/>
+    <dgm:txLinClrLst/>
+    <dgm:txFillClrLst meth="repeat">
+      <a:schemeClr val="lt1"/>
+    </dgm:txFillClrLst>
+    <dgm:txEffectClrLst/>
+  </dgm:styleLbl>
+  <dgm:styleLbl name="parChTrans2D4">
+    <dgm:fillClrLst meth="repeat">
+      <a:schemeClr val="accent1"/>
+    </dgm:fillClrLst>
+    <dgm:linClrLst meth="repeat">
+      <a:schemeClr val="accent1"/>
+    </dgm:linClrLst>
+    <dgm:effectClrLst/>
+    <dgm:txLinClrLst/>
+    <dgm:txFillClrLst meth="repeat">
+      <a:schemeClr val="lt1"/>
+    </dgm:txFillClrLst>
+    <dgm:txEffectClrLst/>
+  </dgm:styleLbl>
+  <dgm:styleLbl name="parChTrans1D1">
+    <dgm:fillClrLst meth="repeat">
+      <a:schemeClr val="accent1"/>
+    </dgm:fillClrLst>
+    <dgm:linClrLst meth="repeat">
+      <a:schemeClr val="accent1">
+        <a:shade val="60000"/>
+      </a:schemeClr>
+    </dgm:linClrLst>
+    <dgm:effectClrLst/>
+    <dgm:txLinClrLst/>
+    <dgm:txFillClrLst meth="repeat">
+      <a:schemeClr val="tx1"/>
+    </dgm:txFillClrLst>
+    <dgm:txEffectClrLst/>
+  </dgm:styleLbl>
+  <dgm:styleLbl name="parChTrans1D2">
+    <dgm:fillClrLst meth="repeat">
+      <a:schemeClr val="accent1"/>
+    </dgm:fillClrLst>
+    <dgm:linClrLst meth="repeat">
+      <a:schemeClr val="accent1">
+        <a:shade val="60000"/>
+      </a:schemeClr>
+    </dgm:linClrLst>
+    <dgm:effectClrLst/>
+    <dgm:txLinClrLst/>
+    <dgm:txFillClrLst meth="repeat">
+      <a:schemeClr val="tx1"/>
+    </dgm:txFillClrLst>
+    <dgm:txEffectClrLst/>
+  </dgm:styleLbl>
+  <dgm:styleLbl name="parChTrans1D3">
+    <dgm:fillClrLst meth="repeat">
+      <a:schemeClr val="accent1"/>
+    </dgm:fillClrLst>
+    <dgm:linClrLst meth="repeat">
+      <a:schemeClr val="accent1">
+        <a:shade val="80000"/>
+      </a:schemeClr>
+    </dgm:linClrLst>
+    <dgm:effectClrLst/>
+    <dgm:txLinClrLst/>
+    <dgm:txFillClrLst meth="repeat">
+      <a:schemeClr val="tx1"/>
+    </dgm:txFillClrLst>
+    <dgm:txEffectClrLst/>
+  </dgm:styleLbl>
+  <dgm:styleLbl name="parChTrans1D4">
+    <dgm:fillClrLst meth="repeat">
+      <a:schemeClr val="accent1"/>
+    </dgm:fillClrLst>
+    <dgm:linClrLst meth="repeat">
+      <a:schemeClr val="accent1">
+        <a:shade val="80000"/>
+      </a:schemeClr>
+    </dgm:linClrLst>
+    <dgm:effectClrLst/>
+    <dgm:txLinClrLst/>
+    <dgm:txFillClrLst meth="repeat">
+      <a:schemeClr val="tx1"/>
+    </dgm:txFillClrLst>
+    <dgm:txEffectClrLst/>
+  </dgm:styleLbl>
+  <dgm:styleLbl name="fgAcc1">
+    <dgm:fillClrLst meth="repeat">
+      <a:schemeClr val="lt1">
+        <a:alpha val="90000"/>
+      </a:schemeClr>
+    </dgm:fillClrLst>
+    <dgm:linClrLst meth="repeat">
+      <a:schemeClr val="accent1"/>
+    </dgm:linClrLst>
+    <dgm:effectClrLst/>
+    <dgm:txLinClrLst/>
+    <dgm:txFillClrLst meth="repeat">
+      <a:schemeClr val="dk1"/>
+    </dgm:txFillClrLst>
+    <dgm:txEffectClrLst/>
+  </dgm:styleLbl>
+  <dgm:styleLbl name="conFgAcc1">
+    <dgm:fillClrLst meth="repeat">
+      <a:schemeClr val="lt1">
+        <a:alpha val="90000"/>
+      </a:schemeClr>
+    </dgm:fillClrLst>
+    <dgm:linClrLst meth="repeat">
+      <a:schemeClr val="accent1"/>
+    </dgm:linClrLst>
+    <dgm:effectClrLst/>
+    <dgm:txLinClrLst/>
+    <dgm:txFillClrLst meth="repeat">
+      <a:schemeClr val="dk1"/>
+    </dgm:txFillClrLst>
+    <dgm:txEffectClrLst/>
+  </dgm:styleLbl>
+  <dgm:styleLbl name="alignAcc1">
+    <dgm:fillClrLst meth="repeat">
+      <a:schemeClr val="lt1">
+        <a:alpha val="90000"/>
+      </a:schemeClr>
+    </dgm:fillClrLst>
+    <dgm:linClrLst meth="repeat">
+      <a:schemeClr val="accent1"/>
+    </dgm:linClrLst>
+    <dgm:effectClrLst/>
+    <dgm:txLinClrLst/>
+    <dgm:txFillClrLst meth="repeat">
+      <a:schemeClr val="dk1"/>
+    </dgm:txFillClrLst>
+    <dgm:txEffectClrLst/>
+  </dgm:styleLbl>
+  <dgm:styleLbl name="trAlignAcc1">
+    <dgm:fillClrLst meth="repeat">
+      <a:schemeClr val="lt1">
+        <a:alpha val="40000"/>
+      </a:schemeClr>
+    </dgm:fillClrLst>
+    <dgm:linClrLst meth="repeat">
+      <a:schemeClr val="accent1"/>
+    </dgm:linClrLst>
+    <dgm:effectClrLst/>
+    <dgm:txLinClrLst/>
+    <dgm:txFillClrLst meth="repeat">
+      <a:schemeClr val="dk1"/>
+    </dgm:txFillClrLst>
+    <dgm:txEffectClrLst/>
+  </dgm:styleLbl>
+  <dgm:styleLbl name="bgAcc1">
+    <dgm:fillClrLst meth="repeat">
+      <a:schemeClr val="lt1">
+        <a:alpha val="90000"/>
+      </a:schemeClr>
+    </dgm:fillClrLst>
+    <dgm:linClrLst meth="repeat">
+      <a:schemeClr val="accent1"/>
+    </dgm:linClrLst>
+    <dgm:effectClrLst/>
+    <dgm:txLinClrLst/>
+    <dgm:txFillClrLst meth="repeat">
+      <a:schemeClr val="dk1"/>
+    </dgm:txFillClrLst>
+    <dgm:txEffectClrLst/>
+  </dgm:styleLbl>
+  <dgm:styleLbl name="solidFgAcc1">
+    <dgm:fillClrLst meth="repeat">
+      <a:schemeClr val="lt1"/>
+    </dgm:fillClrLst>
+    <dgm:linClrLst meth="repeat">
+      <a:schemeClr val="accent1"/>
+    </dgm:linClrLst>
+    <dgm:effectClrLst/>
+    <dgm:txLinClrLst/>
+    <dgm:txFillClrLst meth="repeat">
+      <a:schemeClr val="dk1"/>
+    </dgm:txFillClrLst>
+    <dgm:txEffectClrLst/>
+  </dgm:styleLbl>
+  <dgm:styleLbl name="solidAlignAcc1">
+    <dgm:fillClrLst meth="repeat">
+      <a:schemeClr val="lt1"/>
+    </dgm:fillClrLst>
+    <dgm:linClrLst meth="repeat">
+      <a:schemeClr val="accent1"/>
+    </dgm:linClrLst>
+    <dgm:effectClrLst/>
+    <dgm:txLinClrLst/>
+    <dgm:txFillClrLst meth="repeat">
+      <a:schemeClr val="dk1"/>
+    </dgm:txFillClrLst>
+    <dgm:txEffectClrLst/>
+  </dgm:styleLbl>
+  <dgm:styleLbl name="solidBgAcc1">
+    <dgm:fillClrLst meth="repeat">
+      <a:schemeClr val="lt1"/>
+    </dgm:fillClrLst>
+    <dgm:linClrLst meth="repeat">
+      <a:schemeClr val="accent1"/>
+    </dgm:linClrLst>
+    <dgm:effectClrLst/>
+    <dgm:txLinClrLst/>
+    <dgm:txFillClrLst meth="repeat">
+      <a:schemeClr val="dk1"/>
+    </dgm:txFillClrLst>
+    <dgm:txEffectClrLst/>
+  </dgm:styleLbl>
+  <dgm:styleLbl name="fgAccFollowNode1">
+    <dgm:fillClrLst meth="repeat">
+      <a:schemeClr val="accent1">
+        <a:alpha val="90000"/>
+        <a:tint val="40000"/>
+      </a:schemeClr>
+    </dgm:fillClrLst>
+    <dgm:linClrLst meth="repeat">
+      <a:schemeClr val="accent1">
+        <a:alpha val="90000"/>
+        <a:tint val="40000"/>
+      </a:schemeClr>
+    </dgm:linClrLst>
+    <dgm:effectClrLst/>
+    <dgm:txLinClrLst/>
+    <dgm:txFillClrLst meth="repeat">
+      <a:schemeClr val="dk1"/>
+    </dgm:txFillClrLst>
+    <dgm:txEffectClrLst/>
+  </dgm:styleLbl>
+  <dgm:styleLbl name="alignAccFollowNode1">
+    <dgm:fillClrLst meth="repeat">
+      <a:schemeClr val="accent1">
+        <a:alpha val="90000"/>
+        <a:tint val="40000"/>
+      </a:schemeClr>
+    </dgm:fillClrLst>
+    <dgm:linClrLst meth="repeat">
+      <a:schemeClr val="accent1">
+        <a:alpha val="90000"/>
+        <a:tint val="40000"/>
+      </a:schemeClr>
+    </dgm:linClrLst>
+    <dgm:effectClrLst/>
+    <dgm:txLinClrLst/>
+    <dgm:txFillClrLst meth="repeat">
+      <a:schemeClr val="dk1"/>
+    </dgm:txFillClrLst>
+    <dgm:txEffectClrLst/>
+  </dgm:styleLbl>
+  <dgm:styleLbl name="bgAccFollowNode1">
+    <dgm:fillClrLst meth="repeat">
+      <a:schemeClr val="accent1">
+        <a:alpha val="90000"/>
+        <a:tint val="40000"/>
+      </a:schemeClr>
+    </dgm:fillClrLst>
+    <dgm:linClrLst meth="repeat">
+      <a:schemeClr val="accent1">
+        <a:alpha val="90000"/>
+        <a:tint val="40000"/>
+      </a:schemeClr>
+    </dgm:linClrLst>
+    <dgm:effectClrLst/>
+    <dgm:txLinClrLst/>
+    <dgm:txFillClrLst meth="repeat">
+      <a:schemeClr val="dk1"/>
+    </dgm:txFillClrLst>
+    <dgm:txEffectClrLst/>
+  </dgm:styleLbl>
+  <dgm:styleLbl name="fgAcc0">
+    <dgm:fillClrLst meth="repeat">
+      <a:schemeClr val="lt1">
+        <a:alpha val="90000"/>
+      </a:schemeClr>
+    </dgm:fillClrLst>
+    <dgm:linClrLst meth="repeat">
+      <a:schemeClr val="accent1"/>
+    </dgm:linClrLst>
+    <dgm:effectClrLst/>
+    <dgm:txLinClrLst/>
+    <dgm:txFillClrLst meth="repeat">
+      <a:schemeClr val="dk1"/>
+    </dgm:txFillClrLst>
+    <dgm:txEffectClrLst/>
+  </dgm:styleLbl>
+  <dgm:styleLbl name="fgAcc2">
+    <dgm:fillClrLst meth="repeat">
+      <a:schemeClr val="lt1">
+        <a:alpha val="90000"/>
+      </a:schemeClr>
+    </dgm:fillClrLst>
+    <dgm:linClrLst meth="repeat">
+      <a:schemeClr val="accent1"/>
+    </dgm:linClrLst>
+    <dgm:effectClrLst/>
+    <dgm:txLinClrLst/>
+    <dgm:txFillClrLst meth="repeat">
+      <a:schemeClr val="dk1"/>
+    </dgm:txFillClrLst>
+    <dgm:txEffectClrLst/>
+  </dgm:styleLbl>
+  <dgm:styleLbl name="fgAcc3">
+    <dgm:fillClrLst meth="repeat">
+      <a:schemeClr val="lt1">
+        <a:alpha val="90000"/>
+      </a:schemeClr>
+    </dgm:fillClrLst>
+    <dgm:linClrLst meth="repeat">
+      <a:schemeClr val="accent1"/>
+    </dgm:linClrLst>
+    <dgm:effectClrLst/>
+    <dgm:txLinClrLst/>
+    <dgm:txFillClrLst meth="repeat">
+      <a:schemeClr val="dk1"/>
+    </dgm:txFillClrLst>
+    <dgm:txEffectClrLst/>
+  </dgm:styleLbl>
+  <dgm:styleLbl name="fgAcc4">
+    <dgm:fillClrLst meth="repeat">
+      <a:schemeClr val="lt1">
+        <a:alpha val="90000"/>
+      </a:schemeClr>
+    </dgm:fillClrLst>
+    <dgm:linClrLst meth="repeat">
+      <a:schemeClr val="accent1"/>
+    </dgm:linClrLst>
+    <dgm:effectClrLst/>
+    <dgm:txLinClrLst/>
+    <dgm:txFillClrLst meth="repeat">
+      <a:schemeClr val="dk1"/>
+    </dgm:txFillClrLst>
+    <dgm:txEffectClrLst/>
+  </dgm:styleLbl>
+  <dgm:styleLbl name="bgShp">
+    <dgm:fillClrLst meth="repeat">
+      <a:schemeClr val="accent1">
+        <a:tint val="40000"/>
+      </a:schemeClr>
+    </dgm:fillClrLst>
+    <dgm:linClrLst meth="repeat">
+      <a:schemeClr val="accent1"/>
+    </dgm:linClrLst>
+    <dgm:effectClrLst/>
+    <dgm:txLinClrLst/>
+    <dgm:txFillClrLst meth="repeat">
+      <a:schemeClr val="dk1"/>
+    </dgm:txFillClrLst>
+    <dgm:txEffectClrLst/>
+  </dgm:styleLbl>
+  <dgm:styleLbl name="dkBgShp">
+    <dgm:fillClrLst meth="repeat">
+      <a:schemeClr val="accent1">
+        <a:shade val="80000"/>
+      </a:schemeClr>
+    </dgm:fillClrLst>
+    <dgm:linClrLst meth="repeat">
+      <a:schemeClr val="accent1"/>
+    </dgm:linClrLst>
+    <dgm:effectClrLst/>
+    <dgm:txLinClrLst/>
+    <dgm:txFillClrLst meth="repeat">
+      <a:schemeClr val="lt1"/>
+    </dgm:txFillClrLst>
+    <dgm:txEffectClrLst/>
+  </dgm:styleLbl>
+  <dgm:styleLbl name="trBgShp">
+    <dgm:fillClrLst meth="repeat">
+      <a:schemeClr val="accent1">
+        <a:tint val="50000"/>
+        <a:alpha val="40000"/>
+      </a:schemeClr>
+    </dgm:fillClrLst>
+    <dgm:linClrLst meth="repeat">
+      <a:schemeClr val="accent1"/>
+    </dgm:linClrLst>
+    <dgm:effectClrLst/>
+    <dgm:txLinClrLst/>
+    <dgm:txFillClrLst meth="repeat">
+      <a:schemeClr val="lt1"/>
+    </dgm:txFillClrLst>
+    <dgm:txEffectClrLst/>
+  </dgm:styleLbl>
+  <dgm:styleLbl name="fgShp">
+    <dgm:fillClrLst meth="repeat">
+      <a:schemeClr val="accent1">
+        <a:tint val="60000"/>
+      </a:schemeClr>
+    </dgm:fillClrLst>
+    <dgm:linClrLst meth="repeat">
+      <a:schemeClr val="lt1"/>
+    </dgm:linClrLst>
+    <dgm:effectClrLst/>
+    <dgm:txLinClrLst/>
+    <dgm:txFillClrLst meth="repeat">
+      <a:schemeClr val="dk1"/>
+    </dgm:txFillClrLst>
+    <dgm:txEffectClrLst/>
+  </dgm:styleLbl>
+  <dgm:styleLbl name="revTx">
+    <dgm:fillClrLst meth="repeat">
+      <a:schemeClr val="lt1">
+        <a:alpha val="0"/>
+      </a:schemeClr>
+    </dgm:fillClrLst>
+    <dgm:linClrLst meth="repeat">
+      <a:schemeClr val="dk1">
+        <a:alpha val="0"/>
+      </a:schemeClr>
+    </dgm:linClrLst>
+    <dgm:effectClrLst/>
+    <dgm:txLinClrLst/>
+    <dgm:txFillClrLst meth="repeat">
+      <a:schemeClr val="tx1"/>
+    </dgm:txFillClrLst>
+    <dgm:txEffectClrLst/>
+  </dgm:styleLbl>
+</dgm:colorsDef>
+</file>
+
+<file path=ppt/diagrams/colors2.xml><?xml version="1.0" encoding="utf-8"?>
 <dgm:colorsDef xmlns:dgm="http://schemas.openxmlformats.org/drawingml/2006/diagram" xmlns:a="http://schemas.openxmlformats.org/drawingml/2006/main" uniqueId="urn:microsoft.com/office/officeart/2005/8/colors/accent1_2">
   <dgm:title val=""/>
   <dgm:desc val=""/>
@@ -1213,6 +1966,293 @@
     <dgm:cxn modelId="{D8B533C8-7BB9-4AA5-8E24-0734CD5D3F2C}" type="presParOf" srcId="{22B6F7CB-21B8-4653-AB80-CDAB2FAC6BF4}" destId="{E393D5B1-FCC7-4C26-8B5A-C6AE2AB5A8D0}" srcOrd="1" destOrd="0" presId="urn:microsoft.com/office/officeart/2005/8/layout/orgChart1"/>
     <dgm:cxn modelId="{E82BB001-4249-44B9-A067-61066C2F6E22}" type="presParOf" srcId="{22B6F7CB-21B8-4653-AB80-CDAB2FAC6BF4}" destId="{7B18FE11-BD6E-4331-8B3D-010AD027DE72}" srcOrd="2" destOrd="0" presId="urn:microsoft.com/office/officeart/2005/8/layout/orgChart1"/>
     <dgm:cxn modelId="{88C37C37-7966-4CBC-A95A-C39DAB6F66A4}" type="presParOf" srcId="{624F5A98-CB42-4958-ABD2-93225925A671}" destId="{F2D0FD74-B91D-4049-AACD-6F9B6B1CFC34}" srcOrd="2" destOrd="0" presId="urn:microsoft.com/office/officeart/2005/8/layout/orgChart1"/>
+    <dgm:cxn modelId="{FD582EDA-1A01-44A6-91B2-29D3C491824A}" type="presParOf" srcId="{E2BA09DD-8A90-4A96-A02E-1EF57F3D234C}" destId="{9F586CA1-C1DF-4585-8A9E-037297C4D977}" srcOrd="2" destOrd="0" presId="urn:microsoft.com/office/officeart/2005/8/layout/orgChart1"/>
+  </dgm:cxnLst>
+  <dgm:bg/>
+  <dgm:whole/>
+  <dgm:extLst>
+    <a:ext uri="http://schemas.microsoft.com/office/drawing/2008/diagram">
+      <dsp:dataModelExt xmlns:dsp="http://schemas.microsoft.com/office/drawing/2008/diagram" relId="rId6" minVer="http://schemas.openxmlformats.org/drawingml/2006/diagram"/>
+    </a:ext>
+  </dgm:extLst>
+</dgm:dataModel>
+</file>
+
+<file path=ppt/diagrams/data2.xml><?xml version="1.0" encoding="utf-8"?>
+<dgm:dataModel xmlns:dgm="http://schemas.openxmlformats.org/drawingml/2006/diagram" xmlns:a="http://schemas.openxmlformats.org/drawingml/2006/main">
+  <dgm:ptLst>
+    <dgm:pt modelId="{572A70C0-1A14-48A2-9C87-4AF9D655E278}" type="doc">
+      <dgm:prSet loTypeId="urn:microsoft.com/office/officeart/2005/8/layout/orgChart1" loCatId="hierarchy" qsTypeId="urn:microsoft.com/office/officeart/2005/8/quickstyle/simple1" qsCatId="simple" csTypeId="urn:microsoft.com/office/officeart/2005/8/colors/accent1_2" csCatId="accent1" phldr="1"/>
+      <dgm:spPr/>
+      <dgm:t>
+        <a:bodyPr/>
+        <a:lstStyle/>
+        <a:p>
+          <a:endParaRPr lang="en-US"/>
+        </a:p>
+      </dgm:t>
+    </dgm:pt>
+    <dgm:pt modelId="{F09519E4-D353-4CF6-B213-9CF9F7D80C4B}">
+      <dgm:prSet phldrT="[Text]"/>
+      <dgm:spPr/>
+      <dgm:t>
+        <a:bodyPr/>
+        <a:lstStyle/>
+        <a:p>
+          <a:r>
+            <a:rPr lang="en-US" dirty="0" err="1"/>
+            <a:t>AppComponent</a:t>
+          </a:r>
+          <a:endParaRPr lang="en-US" dirty="0"/>
+        </a:p>
+      </dgm:t>
+    </dgm:pt>
+    <dgm:pt modelId="{701A6846-AB74-44A0-92C5-0B4D0F71BC35}" type="parTrans" cxnId="{B6CAC8B3-27D9-49C2-A7F3-1E6DD0AEBF8B}">
+      <dgm:prSet/>
+      <dgm:spPr/>
+      <dgm:t>
+        <a:bodyPr/>
+        <a:lstStyle/>
+        <a:p>
+          <a:endParaRPr lang="en-US"/>
+        </a:p>
+      </dgm:t>
+    </dgm:pt>
+    <dgm:pt modelId="{F00AFD34-4CE6-4729-BBE7-5CC2972A4D28}" type="sibTrans" cxnId="{B6CAC8B3-27D9-49C2-A7F3-1E6DD0AEBF8B}">
+      <dgm:prSet/>
+      <dgm:spPr/>
+      <dgm:t>
+        <a:bodyPr/>
+        <a:lstStyle/>
+        <a:p>
+          <a:endParaRPr lang="en-US"/>
+        </a:p>
+      </dgm:t>
+    </dgm:pt>
+    <dgm:pt modelId="{AB404E89-DB17-4327-A82A-CF7B17D10C7A}">
+      <dgm:prSet phldrT="[Text]"/>
+      <dgm:spPr/>
+      <dgm:t>
+        <a:bodyPr/>
+        <a:lstStyle/>
+        <a:p>
+          <a:r>
+            <a:rPr lang="en-US" dirty="0" err="1"/>
+            <a:t>ProductsComponent</a:t>
+          </a:r>
+          <a:endParaRPr lang="en-US" dirty="0"/>
+        </a:p>
+      </dgm:t>
+    </dgm:pt>
+    <dgm:pt modelId="{1188138B-9D44-4EFD-B933-DED9198D5F55}" type="parTrans" cxnId="{32FD80BB-7F5A-46A8-8744-2C9268B3AA46}">
+      <dgm:prSet/>
+      <dgm:spPr/>
+      <dgm:t>
+        <a:bodyPr/>
+        <a:lstStyle/>
+        <a:p>
+          <a:endParaRPr lang="en-US"/>
+        </a:p>
+      </dgm:t>
+    </dgm:pt>
+    <dgm:pt modelId="{5C728F4A-6FDB-44BA-9557-9870412A7978}" type="sibTrans" cxnId="{32FD80BB-7F5A-46A8-8744-2C9268B3AA46}">
+      <dgm:prSet/>
+      <dgm:spPr/>
+      <dgm:t>
+        <a:bodyPr/>
+        <a:lstStyle/>
+        <a:p>
+          <a:endParaRPr lang="en-US"/>
+        </a:p>
+      </dgm:t>
+    </dgm:pt>
+    <dgm:pt modelId="{C85A70FC-A13A-479D-BFDE-5FBCA45AE880}">
+      <dgm:prSet phldrT="[Text]"/>
+      <dgm:spPr/>
+      <dgm:t>
+        <a:bodyPr/>
+        <a:lstStyle/>
+        <a:p>
+          <a:r>
+            <a:rPr lang="en-US" dirty="0" err="1"/>
+            <a:t>HomeComponent</a:t>
+          </a:r>
+          <a:endParaRPr lang="en-US" dirty="0"/>
+        </a:p>
+      </dgm:t>
+    </dgm:pt>
+    <dgm:pt modelId="{A9C1FC1B-8B64-42C3-9600-6645247AF9FC}" type="parTrans" cxnId="{166272F9-2F0A-41D9-B826-3B20BDB17262}">
+      <dgm:prSet/>
+      <dgm:spPr/>
+      <dgm:t>
+        <a:bodyPr/>
+        <a:lstStyle/>
+        <a:p>
+          <a:endParaRPr lang="en-US"/>
+        </a:p>
+      </dgm:t>
+    </dgm:pt>
+    <dgm:pt modelId="{3630B60F-9A4A-425B-9998-B09A31A25FAA}" type="sibTrans" cxnId="{166272F9-2F0A-41D9-B826-3B20BDB17262}">
+      <dgm:prSet/>
+      <dgm:spPr/>
+      <dgm:t>
+        <a:bodyPr/>
+        <a:lstStyle/>
+        <a:p>
+          <a:endParaRPr lang="en-US"/>
+        </a:p>
+      </dgm:t>
+    </dgm:pt>
+    <dgm:pt modelId="{18875139-69AA-4C6C-B106-B8C42A641768}" type="pres">
+      <dgm:prSet presAssocID="{572A70C0-1A14-48A2-9C87-4AF9D655E278}" presName="hierChild1" presStyleCnt="0">
+        <dgm:presLayoutVars>
+          <dgm:orgChart val="1"/>
+          <dgm:chPref val="1"/>
+          <dgm:dir/>
+          <dgm:animOne val="branch"/>
+          <dgm:animLvl val="lvl"/>
+          <dgm:resizeHandles/>
+        </dgm:presLayoutVars>
+      </dgm:prSet>
+      <dgm:spPr/>
+    </dgm:pt>
+    <dgm:pt modelId="{E2BA09DD-8A90-4A96-A02E-1EF57F3D234C}" type="pres">
+      <dgm:prSet presAssocID="{F09519E4-D353-4CF6-B213-9CF9F7D80C4B}" presName="hierRoot1" presStyleCnt="0">
+        <dgm:presLayoutVars>
+          <dgm:hierBranch val="init"/>
+        </dgm:presLayoutVars>
+      </dgm:prSet>
+      <dgm:spPr/>
+    </dgm:pt>
+    <dgm:pt modelId="{87CC3906-B653-42AC-9C4B-6E7AE64E8C27}" type="pres">
+      <dgm:prSet presAssocID="{F09519E4-D353-4CF6-B213-9CF9F7D80C4B}" presName="rootComposite1" presStyleCnt="0"/>
+      <dgm:spPr/>
+    </dgm:pt>
+    <dgm:pt modelId="{EED23414-6D91-4821-BA5F-68DD773C8FA0}" type="pres">
+      <dgm:prSet presAssocID="{F09519E4-D353-4CF6-B213-9CF9F7D80C4B}" presName="rootText1" presStyleLbl="node0" presStyleIdx="0" presStyleCnt="1">
+        <dgm:presLayoutVars>
+          <dgm:chPref val="3"/>
+        </dgm:presLayoutVars>
+      </dgm:prSet>
+      <dgm:spPr/>
+    </dgm:pt>
+    <dgm:pt modelId="{3C37FBD9-DB58-4CE1-8661-5EB8A34C1881}" type="pres">
+      <dgm:prSet presAssocID="{F09519E4-D353-4CF6-B213-9CF9F7D80C4B}" presName="rootConnector1" presStyleLbl="node1" presStyleIdx="0" presStyleCnt="0"/>
+      <dgm:spPr/>
+    </dgm:pt>
+    <dgm:pt modelId="{560FE233-4D6B-4624-B67D-199A959ACD06}" type="pres">
+      <dgm:prSet presAssocID="{F09519E4-D353-4CF6-B213-9CF9F7D80C4B}" presName="hierChild2" presStyleCnt="0"/>
+      <dgm:spPr/>
+    </dgm:pt>
+    <dgm:pt modelId="{992294D3-3D1D-437E-A29E-2AC542FFF33E}" type="pres">
+      <dgm:prSet presAssocID="{A9C1FC1B-8B64-42C3-9600-6645247AF9FC}" presName="Name37" presStyleLbl="parChTrans1D2" presStyleIdx="0" presStyleCnt="2"/>
+      <dgm:spPr/>
+    </dgm:pt>
+    <dgm:pt modelId="{B4DBE384-10ED-4C3F-87F0-732885CDC60E}" type="pres">
+      <dgm:prSet presAssocID="{C85A70FC-A13A-479D-BFDE-5FBCA45AE880}" presName="hierRoot2" presStyleCnt="0">
+        <dgm:presLayoutVars>
+          <dgm:hierBranch val="init"/>
+        </dgm:presLayoutVars>
+      </dgm:prSet>
+      <dgm:spPr/>
+    </dgm:pt>
+    <dgm:pt modelId="{B47F804D-9C5C-41BC-9C69-F1978B8EC7DD}" type="pres">
+      <dgm:prSet presAssocID="{C85A70FC-A13A-479D-BFDE-5FBCA45AE880}" presName="rootComposite" presStyleCnt="0"/>
+      <dgm:spPr/>
+    </dgm:pt>
+    <dgm:pt modelId="{45E4D243-2116-4689-A534-6C5D58FF0B6D}" type="pres">
+      <dgm:prSet presAssocID="{C85A70FC-A13A-479D-BFDE-5FBCA45AE880}" presName="rootText" presStyleLbl="node2" presStyleIdx="0" presStyleCnt="2">
+        <dgm:presLayoutVars>
+          <dgm:chPref val="3"/>
+        </dgm:presLayoutVars>
+      </dgm:prSet>
+      <dgm:spPr/>
+    </dgm:pt>
+    <dgm:pt modelId="{C6E61E42-A41E-4822-A7C2-DB02323D2C52}" type="pres">
+      <dgm:prSet presAssocID="{C85A70FC-A13A-479D-BFDE-5FBCA45AE880}" presName="rootConnector" presStyleLbl="node2" presStyleIdx="0" presStyleCnt="2"/>
+      <dgm:spPr/>
+    </dgm:pt>
+    <dgm:pt modelId="{3072465F-E3E9-4C78-AEAC-E55A76995021}" type="pres">
+      <dgm:prSet presAssocID="{C85A70FC-A13A-479D-BFDE-5FBCA45AE880}" presName="hierChild4" presStyleCnt="0"/>
+      <dgm:spPr/>
+    </dgm:pt>
+    <dgm:pt modelId="{E44EE1E8-811D-4F1A-8C79-68332A35AC95}" type="pres">
+      <dgm:prSet presAssocID="{C85A70FC-A13A-479D-BFDE-5FBCA45AE880}" presName="hierChild5" presStyleCnt="0"/>
+      <dgm:spPr/>
+    </dgm:pt>
+    <dgm:pt modelId="{C0F25A53-41AC-4F64-AD7B-1021933CBA7B}" type="pres">
+      <dgm:prSet presAssocID="{1188138B-9D44-4EFD-B933-DED9198D5F55}" presName="Name37" presStyleLbl="parChTrans1D2" presStyleIdx="1" presStyleCnt="2"/>
+      <dgm:spPr/>
+    </dgm:pt>
+    <dgm:pt modelId="{ECD2D28E-7FEF-45DA-86EA-C6DEA65C89AF}" type="pres">
+      <dgm:prSet presAssocID="{AB404E89-DB17-4327-A82A-CF7B17D10C7A}" presName="hierRoot2" presStyleCnt="0">
+        <dgm:presLayoutVars>
+          <dgm:hierBranch val="init"/>
+        </dgm:presLayoutVars>
+      </dgm:prSet>
+      <dgm:spPr/>
+    </dgm:pt>
+    <dgm:pt modelId="{3DFCF994-3FA2-4EF3-A46D-BA3988DF39E2}" type="pres">
+      <dgm:prSet presAssocID="{AB404E89-DB17-4327-A82A-CF7B17D10C7A}" presName="rootComposite" presStyleCnt="0"/>
+      <dgm:spPr/>
+    </dgm:pt>
+    <dgm:pt modelId="{A5751727-2F48-4A70-A5E2-08CC7AEFF0CD}" type="pres">
+      <dgm:prSet presAssocID="{AB404E89-DB17-4327-A82A-CF7B17D10C7A}" presName="rootText" presStyleLbl="node2" presStyleIdx="1" presStyleCnt="2">
+        <dgm:presLayoutVars>
+          <dgm:chPref val="3"/>
+        </dgm:presLayoutVars>
+      </dgm:prSet>
+      <dgm:spPr/>
+    </dgm:pt>
+    <dgm:pt modelId="{D40515E9-DE9E-4E1D-A30A-FEC5022AC9F0}" type="pres">
+      <dgm:prSet presAssocID="{AB404E89-DB17-4327-A82A-CF7B17D10C7A}" presName="rootConnector" presStyleLbl="node2" presStyleIdx="1" presStyleCnt="2"/>
+      <dgm:spPr/>
+    </dgm:pt>
+    <dgm:pt modelId="{77C3C2CE-BE1C-4472-A611-EBAEECF62C37}" type="pres">
+      <dgm:prSet presAssocID="{AB404E89-DB17-4327-A82A-CF7B17D10C7A}" presName="hierChild4" presStyleCnt="0"/>
+      <dgm:spPr/>
+    </dgm:pt>
+    <dgm:pt modelId="{D4242B40-B6EB-43C3-8E7F-9D1CB326C7E2}" type="pres">
+      <dgm:prSet presAssocID="{AB404E89-DB17-4327-A82A-CF7B17D10C7A}" presName="hierChild5" presStyleCnt="0"/>
+      <dgm:spPr/>
+    </dgm:pt>
+    <dgm:pt modelId="{9F586CA1-C1DF-4585-8A9E-037297C4D977}" type="pres">
+      <dgm:prSet presAssocID="{F09519E4-D353-4CF6-B213-9CF9F7D80C4B}" presName="hierChild3" presStyleCnt="0"/>
+      <dgm:spPr/>
+    </dgm:pt>
+  </dgm:ptLst>
+  <dgm:cxnLst>
+    <dgm:cxn modelId="{2CADDD18-57DD-4A89-9F74-13339BAB8901}" type="presOf" srcId="{F09519E4-D353-4CF6-B213-9CF9F7D80C4B}" destId="{3C37FBD9-DB58-4CE1-8661-5EB8A34C1881}" srcOrd="1" destOrd="0" presId="urn:microsoft.com/office/officeart/2005/8/layout/orgChart1"/>
+    <dgm:cxn modelId="{354BCC22-638E-4A6A-9AAD-3EB9053E7442}" type="presOf" srcId="{AB404E89-DB17-4327-A82A-CF7B17D10C7A}" destId="{A5751727-2F48-4A70-A5E2-08CC7AEFF0CD}" srcOrd="0" destOrd="0" presId="urn:microsoft.com/office/officeart/2005/8/layout/orgChart1"/>
+    <dgm:cxn modelId="{E780F870-A617-4792-BCB6-8A1FCF8ED664}" type="presOf" srcId="{C85A70FC-A13A-479D-BFDE-5FBCA45AE880}" destId="{45E4D243-2116-4689-A534-6C5D58FF0B6D}" srcOrd="0" destOrd="0" presId="urn:microsoft.com/office/officeart/2005/8/layout/orgChart1"/>
+    <dgm:cxn modelId="{739A3C57-0123-46FA-A23C-1DD674E68C63}" type="presOf" srcId="{AB404E89-DB17-4327-A82A-CF7B17D10C7A}" destId="{D40515E9-DE9E-4E1D-A30A-FEC5022AC9F0}" srcOrd="1" destOrd="0" presId="urn:microsoft.com/office/officeart/2005/8/layout/orgChart1"/>
+    <dgm:cxn modelId="{2AA58B7D-F813-4245-A5DD-036A653597CC}" type="presOf" srcId="{1188138B-9D44-4EFD-B933-DED9198D5F55}" destId="{C0F25A53-41AC-4F64-AD7B-1021933CBA7B}" srcOrd="0" destOrd="0" presId="urn:microsoft.com/office/officeart/2005/8/layout/orgChart1"/>
+    <dgm:cxn modelId="{E68E9F86-3E7C-48CD-B141-DA767F4D7F12}" type="presOf" srcId="{F09519E4-D353-4CF6-B213-9CF9F7D80C4B}" destId="{EED23414-6D91-4821-BA5F-68DD773C8FA0}" srcOrd="0" destOrd="0" presId="urn:microsoft.com/office/officeart/2005/8/layout/orgChart1"/>
+    <dgm:cxn modelId="{CED7C4AC-E8DC-4C1F-B2FE-1E7B9038DD41}" type="presOf" srcId="{A9C1FC1B-8B64-42C3-9600-6645247AF9FC}" destId="{992294D3-3D1D-437E-A29E-2AC542FFF33E}" srcOrd="0" destOrd="0" presId="urn:microsoft.com/office/officeart/2005/8/layout/orgChart1"/>
+    <dgm:cxn modelId="{B6CAC8B3-27D9-49C2-A7F3-1E6DD0AEBF8B}" srcId="{572A70C0-1A14-48A2-9C87-4AF9D655E278}" destId="{F09519E4-D353-4CF6-B213-9CF9F7D80C4B}" srcOrd="0" destOrd="0" parTransId="{701A6846-AB74-44A0-92C5-0B4D0F71BC35}" sibTransId="{F00AFD34-4CE6-4729-BBE7-5CC2972A4D28}"/>
+    <dgm:cxn modelId="{5CE364B5-18BA-4F04-A365-0AE7E06FB34A}" type="presOf" srcId="{C85A70FC-A13A-479D-BFDE-5FBCA45AE880}" destId="{C6E61E42-A41E-4822-A7C2-DB02323D2C52}" srcOrd="1" destOrd="0" presId="urn:microsoft.com/office/officeart/2005/8/layout/orgChart1"/>
+    <dgm:cxn modelId="{32FD80BB-7F5A-46A8-8744-2C9268B3AA46}" srcId="{F09519E4-D353-4CF6-B213-9CF9F7D80C4B}" destId="{AB404E89-DB17-4327-A82A-CF7B17D10C7A}" srcOrd="1" destOrd="0" parTransId="{1188138B-9D44-4EFD-B933-DED9198D5F55}" sibTransId="{5C728F4A-6FDB-44BA-9557-9870412A7978}"/>
+    <dgm:cxn modelId="{5E283DD0-4615-45F5-A13B-D9277B08BD4B}" type="presOf" srcId="{572A70C0-1A14-48A2-9C87-4AF9D655E278}" destId="{18875139-69AA-4C6C-B106-B8C42A641768}" srcOrd="0" destOrd="0" presId="urn:microsoft.com/office/officeart/2005/8/layout/orgChart1"/>
+    <dgm:cxn modelId="{166272F9-2F0A-41D9-B826-3B20BDB17262}" srcId="{F09519E4-D353-4CF6-B213-9CF9F7D80C4B}" destId="{C85A70FC-A13A-479D-BFDE-5FBCA45AE880}" srcOrd="0" destOrd="0" parTransId="{A9C1FC1B-8B64-42C3-9600-6645247AF9FC}" sibTransId="{3630B60F-9A4A-425B-9998-B09A31A25FAA}"/>
+    <dgm:cxn modelId="{7A1B4D81-9A3F-4D2A-9BAD-BCBDAA7A8945}" type="presParOf" srcId="{18875139-69AA-4C6C-B106-B8C42A641768}" destId="{E2BA09DD-8A90-4A96-A02E-1EF57F3D234C}" srcOrd="0" destOrd="0" presId="urn:microsoft.com/office/officeart/2005/8/layout/orgChart1"/>
+    <dgm:cxn modelId="{76E0CC81-1530-415F-AAD6-B9B1F0DEE446}" type="presParOf" srcId="{E2BA09DD-8A90-4A96-A02E-1EF57F3D234C}" destId="{87CC3906-B653-42AC-9C4B-6E7AE64E8C27}" srcOrd="0" destOrd="0" presId="urn:microsoft.com/office/officeart/2005/8/layout/orgChart1"/>
+    <dgm:cxn modelId="{3A4378EC-535B-4258-BF76-7D056319E25D}" type="presParOf" srcId="{87CC3906-B653-42AC-9C4B-6E7AE64E8C27}" destId="{EED23414-6D91-4821-BA5F-68DD773C8FA0}" srcOrd="0" destOrd="0" presId="urn:microsoft.com/office/officeart/2005/8/layout/orgChart1"/>
+    <dgm:cxn modelId="{6C9DF2B1-37DE-451C-9DB7-978A5F28BDDA}" type="presParOf" srcId="{87CC3906-B653-42AC-9C4B-6E7AE64E8C27}" destId="{3C37FBD9-DB58-4CE1-8661-5EB8A34C1881}" srcOrd="1" destOrd="0" presId="urn:microsoft.com/office/officeart/2005/8/layout/orgChart1"/>
+    <dgm:cxn modelId="{684ED24F-C6FA-41C4-8770-53BA45CA46E6}" type="presParOf" srcId="{E2BA09DD-8A90-4A96-A02E-1EF57F3D234C}" destId="{560FE233-4D6B-4624-B67D-199A959ACD06}" srcOrd="1" destOrd="0" presId="urn:microsoft.com/office/officeart/2005/8/layout/orgChart1"/>
+    <dgm:cxn modelId="{C4292EC9-D20B-417D-B488-291BA4A7B36A}" type="presParOf" srcId="{560FE233-4D6B-4624-B67D-199A959ACD06}" destId="{992294D3-3D1D-437E-A29E-2AC542FFF33E}" srcOrd="0" destOrd="0" presId="urn:microsoft.com/office/officeart/2005/8/layout/orgChart1"/>
+    <dgm:cxn modelId="{89A024D4-E4CD-48DE-BFC4-0FCCC91A7A90}" type="presParOf" srcId="{560FE233-4D6B-4624-B67D-199A959ACD06}" destId="{B4DBE384-10ED-4C3F-87F0-732885CDC60E}" srcOrd="1" destOrd="0" presId="urn:microsoft.com/office/officeart/2005/8/layout/orgChart1"/>
+    <dgm:cxn modelId="{1FA49E27-D477-45ED-AF2C-162C1FF93FD3}" type="presParOf" srcId="{B4DBE384-10ED-4C3F-87F0-732885CDC60E}" destId="{B47F804D-9C5C-41BC-9C69-F1978B8EC7DD}" srcOrd="0" destOrd="0" presId="urn:microsoft.com/office/officeart/2005/8/layout/orgChart1"/>
+    <dgm:cxn modelId="{2B1D57A5-32FB-48DB-87B5-C89EEF42C28C}" type="presParOf" srcId="{B47F804D-9C5C-41BC-9C69-F1978B8EC7DD}" destId="{45E4D243-2116-4689-A534-6C5D58FF0B6D}" srcOrd="0" destOrd="0" presId="urn:microsoft.com/office/officeart/2005/8/layout/orgChart1"/>
+    <dgm:cxn modelId="{6A04B122-53CC-4529-A0A0-73E96F709980}" type="presParOf" srcId="{B47F804D-9C5C-41BC-9C69-F1978B8EC7DD}" destId="{C6E61E42-A41E-4822-A7C2-DB02323D2C52}" srcOrd="1" destOrd="0" presId="urn:microsoft.com/office/officeart/2005/8/layout/orgChart1"/>
+    <dgm:cxn modelId="{41283668-F3E7-40E7-B9F1-A02C44594160}" type="presParOf" srcId="{B4DBE384-10ED-4C3F-87F0-732885CDC60E}" destId="{3072465F-E3E9-4C78-AEAC-E55A76995021}" srcOrd="1" destOrd="0" presId="urn:microsoft.com/office/officeart/2005/8/layout/orgChart1"/>
+    <dgm:cxn modelId="{F3625B2E-B394-4E57-A2F7-9F1EC598F0F8}" type="presParOf" srcId="{B4DBE384-10ED-4C3F-87F0-732885CDC60E}" destId="{E44EE1E8-811D-4F1A-8C79-68332A35AC95}" srcOrd="2" destOrd="0" presId="urn:microsoft.com/office/officeart/2005/8/layout/orgChart1"/>
+    <dgm:cxn modelId="{A07415EC-DD5E-4DCB-986E-CED3B9C4F5BB}" type="presParOf" srcId="{560FE233-4D6B-4624-B67D-199A959ACD06}" destId="{C0F25A53-41AC-4F64-AD7B-1021933CBA7B}" srcOrd="2" destOrd="0" presId="urn:microsoft.com/office/officeart/2005/8/layout/orgChart1"/>
+    <dgm:cxn modelId="{CE05761D-01BD-44D8-81CD-C0A7C901D2B1}" type="presParOf" srcId="{560FE233-4D6B-4624-B67D-199A959ACD06}" destId="{ECD2D28E-7FEF-45DA-86EA-C6DEA65C89AF}" srcOrd="3" destOrd="0" presId="urn:microsoft.com/office/officeart/2005/8/layout/orgChart1"/>
+    <dgm:cxn modelId="{349A0869-B7A5-400C-BF11-B217B0397A75}" type="presParOf" srcId="{ECD2D28E-7FEF-45DA-86EA-C6DEA65C89AF}" destId="{3DFCF994-3FA2-4EF3-A46D-BA3988DF39E2}" srcOrd="0" destOrd="0" presId="urn:microsoft.com/office/officeart/2005/8/layout/orgChart1"/>
+    <dgm:cxn modelId="{FAC3F685-8A52-48E0-B1C0-ACD7761CDF91}" type="presParOf" srcId="{3DFCF994-3FA2-4EF3-A46D-BA3988DF39E2}" destId="{A5751727-2F48-4A70-A5E2-08CC7AEFF0CD}" srcOrd="0" destOrd="0" presId="urn:microsoft.com/office/officeart/2005/8/layout/orgChart1"/>
+    <dgm:cxn modelId="{1D90A163-61DD-4186-9231-51B4F00ABDD0}" type="presParOf" srcId="{3DFCF994-3FA2-4EF3-A46D-BA3988DF39E2}" destId="{D40515E9-DE9E-4E1D-A30A-FEC5022AC9F0}" srcOrd="1" destOrd="0" presId="urn:microsoft.com/office/officeart/2005/8/layout/orgChart1"/>
+    <dgm:cxn modelId="{672B9989-939D-4762-8130-8FB363C3D18F}" type="presParOf" srcId="{ECD2D28E-7FEF-45DA-86EA-C6DEA65C89AF}" destId="{77C3C2CE-BE1C-4472-A611-EBAEECF62C37}" srcOrd="1" destOrd="0" presId="urn:microsoft.com/office/officeart/2005/8/layout/orgChart1"/>
+    <dgm:cxn modelId="{6BF3FB26-7B25-48F8-AF2F-F23127F8706A}" type="presParOf" srcId="{ECD2D28E-7FEF-45DA-86EA-C6DEA65C89AF}" destId="{D4242B40-B6EB-43C3-8E7F-9D1CB326C7E2}" srcOrd="2" destOrd="0" presId="urn:microsoft.com/office/officeart/2005/8/layout/orgChart1"/>
     <dgm:cxn modelId="{FD582EDA-1A01-44A6-91B2-29D3C491824A}" type="presParOf" srcId="{E2BA09DD-8A90-4A96-A02E-1EF57F3D234C}" destId="{9F586CA1-C1DF-4585-8A9E-037297C4D977}" srcOrd="2" destOrd="0" presId="urn:microsoft.com/office/officeart/2005/8/layout/orgChart1"/>
   </dgm:cxnLst>
   <dgm:bg/>
@@ -1736,7 +2776,1526 @@
 </dsp:drawing>
 </file>
 
+<file path=ppt/diagrams/drawing2.xml><?xml version="1.0" encoding="utf-8"?>
+<dsp:drawing xmlns:dgm="http://schemas.openxmlformats.org/drawingml/2006/diagram" xmlns:dsp="http://schemas.microsoft.com/office/drawing/2008/diagram" xmlns:a="http://schemas.openxmlformats.org/drawingml/2006/main">
+  <dsp:spTree>
+    <dsp:nvGrpSpPr>
+      <dsp:cNvPr id="0" name=""/>
+      <dsp:cNvGrpSpPr/>
+    </dsp:nvGrpSpPr>
+    <dsp:grpSpPr/>
+    <dsp:sp modelId="{C0F25A53-41AC-4F64-AD7B-1021933CBA7B}">
+      <dsp:nvSpPr>
+        <dsp:cNvPr id="0" name=""/>
+        <dsp:cNvSpPr/>
+      </dsp:nvSpPr>
+      <dsp:spPr>
+        <a:xfrm>
+          <a:off x="5257800" y="1798278"/>
+          <a:ext cx="2174490" cy="754781"/>
+        </a:xfrm>
+        <a:custGeom>
+          <a:avLst/>
+          <a:gdLst/>
+          <a:ahLst/>
+          <a:cxnLst/>
+          <a:rect l="0" t="0" r="0" b="0"/>
+          <a:pathLst>
+            <a:path>
+              <a:moveTo>
+                <a:pt x="0" y="0"/>
+              </a:moveTo>
+              <a:lnTo>
+                <a:pt x="0" y="377390"/>
+              </a:lnTo>
+              <a:lnTo>
+                <a:pt x="2174490" y="377390"/>
+              </a:lnTo>
+              <a:lnTo>
+                <a:pt x="2174490" y="754781"/>
+              </a:lnTo>
+            </a:path>
+          </a:pathLst>
+        </a:custGeom>
+        <a:noFill/>
+        <a:ln w="12700" cap="flat" cmpd="sng" algn="ctr">
+          <a:solidFill>
+            <a:schemeClr val="accent1">
+              <a:shade val="60000"/>
+              <a:hueOff val="0"/>
+              <a:satOff val="0"/>
+              <a:lumOff val="0"/>
+              <a:alphaOff val="0"/>
+            </a:schemeClr>
+          </a:solidFill>
+          <a:prstDash val="solid"/>
+          <a:miter lim="800000"/>
+        </a:ln>
+        <a:effectLst/>
+      </dsp:spPr>
+      <dsp:style>
+        <a:lnRef idx="2">
+          <a:scrgbClr r="0" g="0" b="0"/>
+        </a:lnRef>
+        <a:fillRef idx="0">
+          <a:scrgbClr r="0" g="0" b="0"/>
+        </a:fillRef>
+        <a:effectRef idx="0">
+          <a:scrgbClr r="0" g="0" b="0"/>
+        </a:effectRef>
+        <a:fontRef idx="minor"/>
+      </dsp:style>
+    </dsp:sp>
+    <dsp:sp modelId="{992294D3-3D1D-437E-A29E-2AC542FFF33E}">
+      <dsp:nvSpPr>
+        <dsp:cNvPr id="0" name=""/>
+        <dsp:cNvSpPr/>
+      </dsp:nvSpPr>
+      <dsp:spPr>
+        <a:xfrm>
+          <a:off x="3083309" y="1798278"/>
+          <a:ext cx="2174490" cy="754781"/>
+        </a:xfrm>
+        <a:custGeom>
+          <a:avLst/>
+          <a:gdLst/>
+          <a:ahLst/>
+          <a:cxnLst/>
+          <a:rect l="0" t="0" r="0" b="0"/>
+          <a:pathLst>
+            <a:path>
+              <a:moveTo>
+                <a:pt x="2174490" y="0"/>
+              </a:moveTo>
+              <a:lnTo>
+                <a:pt x="2174490" y="377390"/>
+              </a:lnTo>
+              <a:lnTo>
+                <a:pt x="0" y="377390"/>
+              </a:lnTo>
+              <a:lnTo>
+                <a:pt x="0" y="754781"/>
+              </a:lnTo>
+            </a:path>
+          </a:pathLst>
+        </a:custGeom>
+        <a:noFill/>
+        <a:ln w="12700" cap="flat" cmpd="sng" algn="ctr">
+          <a:solidFill>
+            <a:schemeClr val="accent1">
+              <a:shade val="60000"/>
+              <a:hueOff val="0"/>
+              <a:satOff val="0"/>
+              <a:lumOff val="0"/>
+              <a:alphaOff val="0"/>
+            </a:schemeClr>
+          </a:solidFill>
+          <a:prstDash val="solid"/>
+          <a:miter lim="800000"/>
+        </a:ln>
+        <a:effectLst/>
+      </dsp:spPr>
+      <dsp:style>
+        <a:lnRef idx="2">
+          <a:scrgbClr r="0" g="0" b="0"/>
+        </a:lnRef>
+        <a:fillRef idx="0">
+          <a:scrgbClr r="0" g="0" b="0"/>
+        </a:fillRef>
+        <a:effectRef idx="0">
+          <a:scrgbClr r="0" g="0" b="0"/>
+        </a:effectRef>
+        <a:fontRef idx="minor"/>
+      </dsp:style>
+    </dsp:sp>
+    <dsp:sp modelId="{EED23414-6D91-4821-BA5F-68DD773C8FA0}">
+      <dsp:nvSpPr>
+        <dsp:cNvPr id="0" name=""/>
+        <dsp:cNvSpPr/>
+      </dsp:nvSpPr>
+      <dsp:spPr>
+        <a:xfrm>
+          <a:off x="3460700" y="1178"/>
+          <a:ext cx="3594199" cy="1797099"/>
+        </a:xfrm>
+        <a:prstGeom prst="rect">
+          <a:avLst/>
+        </a:prstGeom>
+        <a:solidFill>
+          <a:schemeClr val="accent1">
+            <a:hueOff val="0"/>
+            <a:satOff val="0"/>
+            <a:lumOff val="0"/>
+            <a:alphaOff val="0"/>
+          </a:schemeClr>
+        </a:solidFill>
+        <a:ln w="12700" cap="flat" cmpd="sng" algn="ctr">
+          <a:solidFill>
+            <a:schemeClr val="lt1">
+              <a:hueOff val="0"/>
+              <a:satOff val="0"/>
+              <a:lumOff val="0"/>
+              <a:alphaOff val="0"/>
+            </a:schemeClr>
+          </a:solidFill>
+          <a:prstDash val="solid"/>
+          <a:miter lim="800000"/>
+        </a:ln>
+        <a:effectLst/>
+      </dsp:spPr>
+      <dsp:style>
+        <a:lnRef idx="2">
+          <a:scrgbClr r="0" g="0" b="0"/>
+        </a:lnRef>
+        <a:fillRef idx="1">
+          <a:scrgbClr r="0" g="0" b="0"/>
+        </a:fillRef>
+        <a:effectRef idx="0">
+          <a:scrgbClr r="0" g="0" b="0"/>
+        </a:effectRef>
+        <a:fontRef idx="minor">
+          <a:schemeClr val="lt1"/>
+        </a:fontRef>
+      </dsp:style>
+      <dsp:txBody>
+        <a:bodyPr spcFirstLastPara="0" vert="horz" wrap="square" lIns="20955" tIns="20955" rIns="20955" bIns="20955" numCol="1" spcCol="1270" anchor="ctr" anchorCtr="0">
+          <a:noAutofit/>
+        </a:bodyPr>
+        <a:lstStyle/>
+        <a:p>
+          <a:pPr marL="0" lvl="0" indent="0" algn="ctr" defTabSz="1466850">
+            <a:lnSpc>
+              <a:spcPct val="90000"/>
+            </a:lnSpc>
+            <a:spcBef>
+              <a:spcPct val="0"/>
+            </a:spcBef>
+            <a:spcAft>
+              <a:spcPct val="35000"/>
+            </a:spcAft>
+            <a:buNone/>
+          </a:pPr>
+          <a:r>
+            <a:rPr lang="en-US" sz="3300" kern="1200" dirty="0" err="1"/>
+            <a:t>AppComponent</a:t>
+          </a:r>
+          <a:endParaRPr lang="en-US" sz="3300" kern="1200" dirty="0"/>
+        </a:p>
+      </dsp:txBody>
+      <dsp:txXfrm>
+        <a:off x="3460700" y="1178"/>
+        <a:ext cx="3594199" cy="1797099"/>
+      </dsp:txXfrm>
+    </dsp:sp>
+    <dsp:sp modelId="{45E4D243-2116-4689-A534-6C5D58FF0B6D}">
+      <dsp:nvSpPr>
+        <dsp:cNvPr id="0" name=""/>
+        <dsp:cNvSpPr/>
+      </dsp:nvSpPr>
+      <dsp:spPr>
+        <a:xfrm>
+          <a:off x="1286209" y="2553059"/>
+          <a:ext cx="3594199" cy="1797099"/>
+        </a:xfrm>
+        <a:prstGeom prst="rect">
+          <a:avLst/>
+        </a:prstGeom>
+        <a:solidFill>
+          <a:schemeClr val="accent1">
+            <a:hueOff val="0"/>
+            <a:satOff val="0"/>
+            <a:lumOff val="0"/>
+            <a:alphaOff val="0"/>
+          </a:schemeClr>
+        </a:solidFill>
+        <a:ln w="12700" cap="flat" cmpd="sng" algn="ctr">
+          <a:solidFill>
+            <a:schemeClr val="lt1">
+              <a:hueOff val="0"/>
+              <a:satOff val="0"/>
+              <a:lumOff val="0"/>
+              <a:alphaOff val="0"/>
+            </a:schemeClr>
+          </a:solidFill>
+          <a:prstDash val="solid"/>
+          <a:miter lim="800000"/>
+        </a:ln>
+        <a:effectLst/>
+      </dsp:spPr>
+      <dsp:style>
+        <a:lnRef idx="2">
+          <a:scrgbClr r="0" g="0" b="0"/>
+        </a:lnRef>
+        <a:fillRef idx="1">
+          <a:scrgbClr r="0" g="0" b="0"/>
+        </a:fillRef>
+        <a:effectRef idx="0">
+          <a:scrgbClr r="0" g="0" b="0"/>
+        </a:effectRef>
+        <a:fontRef idx="minor">
+          <a:schemeClr val="lt1"/>
+        </a:fontRef>
+      </dsp:style>
+      <dsp:txBody>
+        <a:bodyPr spcFirstLastPara="0" vert="horz" wrap="square" lIns="20955" tIns="20955" rIns="20955" bIns="20955" numCol="1" spcCol="1270" anchor="ctr" anchorCtr="0">
+          <a:noAutofit/>
+        </a:bodyPr>
+        <a:lstStyle/>
+        <a:p>
+          <a:pPr marL="0" lvl="0" indent="0" algn="ctr" defTabSz="1466850">
+            <a:lnSpc>
+              <a:spcPct val="90000"/>
+            </a:lnSpc>
+            <a:spcBef>
+              <a:spcPct val="0"/>
+            </a:spcBef>
+            <a:spcAft>
+              <a:spcPct val="35000"/>
+            </a:spcAft>
+            <a:buNone/>
+          </a:pPr>
+          <a:r>
+            <a:rPr lang="en-US" sz="3300" kern="1200" dirty="0" err="1"/>
+            <a:t>HomeComponent</a:t>
+          </a:r>
+          <a:endParaRPr lang="en-US" sz="3300" kern="1200" dirty="0"/>
+        </a:p>
+      </dsp:txBody>
+      <dsp:txXfrm>
+        <a:off x="1286209" y="2553059"/>
+        <a:ext cx="3594199" cy="1797099"/>
+      </dsp:txXfrm>
+    </dsp:sp>
+    <dsp:sp modelId="{A5751727-2F48-4A70-A5E2-08CC7AEFF0CD}">
+      <dsp:nvSpPr>
+        <dsp:cNvPr id="0" name=""/>
+        <dsp:cNvSpPr/>
+      </dsp:nvSpPr>
+      <dsp:spPr>
+        <a:xfrm>
+          <a:off x="5635190" y="2553059"/>
+          <a:ext cx="3594199" cy="1797099"/>
+        </a:xfrm>
+        <a:prstGeom prst="rect">
+          <a:avLst/>
+        </a:prstGeom>
+        <a:solidFill>
+          <a:schemeClr val="accent1">
+            <a:hueOff val="0"/>
+            <a:satOff val="0"/>
+            <a:lumOff val="0"/>
+            <a:alphaOff val="0"/>
+          </a:schemeClr>
+        </a:solidFill>
+        <a:ln w="12700" cap="flat" cmpd="sng" algn="ctr">
+          <a:solidFill>
+            <a:schemeClr val="lt1">
+              <a:hueOff val="0"/>
+              <a:satOff val="0"/>
+              <a:lumOff val="0"/>
+              <a:alphaOff val="0"/>
+            </a:schemeClr>
+          </a:solidFill>
+          <a:prstDash val="solid"/>
+          <a:miter lim="800000"/>
+        </a:ln>
+        <a:effectLst/>
+      </dsp:spPr>
+      <dsp:style>
+        <a:lnRef idx="2">
+          <a:scrgbClr r="0" g="0" b="0"/>
+        </a:lnRef>
+        <a:fillRef idx="1">
+          <a:scrgbClr r="0" g="0" b="0"/>
+        </a:fillRef>
+        <a:effectRef idx="0">
+          <a:scrgbClr r="0" g="0" b="0"/>
+        </a:effectRef>
+        <a:fontRef idx="minor">
+          <a:schemeClr val="lt1"/>
+        </a:fontRef>
+      </dsp:style>
+      <dsp:txBody>
+        <a:bodyPr spcFirstLastPara="0" vert="horz" wrap="square" lIns="20955" tIns="20955" rIns="20955" bIns="20955" numCol="1" spcCol="1270" anchor="ctr" anchorCtr="0">
+          <a:noAutofit/>
+        </a:bodyPr>
+        <a:lstStyle/>
+        <a:p>
+          <a:pPr marL="0" lvl="0" indent="0" algn="ctr" defTabSz="1466850">
+            <a:lnSpc>
+              <a:spcPct val="90000"/>
+            </a:lnSpc>
+            <a:spcBef>
+              <a:spcPct val="0"/>
+            </a:spcBef>
+            <a:spcAft>
+              <a:spcPct val="35000"/>
+            </a:spcAft>
+            <a:buNone/>
+          </a:pPr>
+          <a:r>
+            <a:rPr lang="en-US" sz="3300" kern="1200" dirty="0" err="1"/>
+            <a:t>ProductsComponent</a:t>
+          </a:r>
+          <a:endParaRPr lang="en-US" sz="3300" kern="1200" dirty="0"/>
+        </a:p>
+      </dsp:txBody>
+      <dsp:txXfrm>
+        <a:off x="5635190" y="2553059"/>
+        <a:ext cx="3594199" cy="1797099"/>
+      </dsp:txXfrm>
+    </dsp:sp>
+  </dsp:spTree>
+</dsp:drawing>
+</file>
+
 <file path=ppt/diagrams/layout1.xml><?xml version="1.0" encoding="utf-8"?>
+<dgm:layoutDef xmlns:dgm="http://schemas.openxmlformats.org/drawingml/2006/diagram" xmlns:a="http://schemas.openxmlformats.org/drawingml/2006/main" uniqueId="urn:microsoft.com/office/officeart/2005/8/layout/orgChart1">
+  <dgm:title val=""/>
+  <dgm:desc val=""/>
+  <dgm:catLst>
+    <dgm:cat type="hierarchy" pri="1000"/>
+    <dgm:cat type="convert" pri="6000"/>
+  </dgm:catLst>
+  <dgm:sampData>
+    <dgm:dataModel>
+      <dgm:ptLst>
+        <dgm:pt modelId="0" type="doc"/>
+        <dgm:pt modelId="1">
+          <dgm:prSet phldr="1"/>
+        </dgm:pt>
+        <dgm:pt modelId="2" type="asst">
+          <dgm:prSet phldr="1"/>
+        </dgm:pt>
+        <dgm:pt modelId="3">
+          <dgm:prSet phldr="1"/>
+        </dgm:pt>
+        <dgm:pt modelId="4">
+          <dgm:prSet phldr="1"/>
+        </dgm:pt>
+        <dgm:pt modelId="5">
+          <dgm:prSet phldr="1"/>
+        </dgm:pt>
+      </dgm:ptLst>
+      <dgm:cxnLst>
+        <dgm:cxn modelId="5" srcId="0" destId="1" srcOrd="0" destOrd="0"/>
+        <dgm:cxn modelId="6" srcId="1" destId="2" srcOrd="0" destOrd="0"/>
+        <dgm:cxn modelId="7" srcId="1" destId="3" srcOrd="1" destOrd="0"/>
+        <dgm:cxn modelId="8" srcId="1" destId="4" srcOrd="2" destOrd="0"/>
+        <dgm:cxn modelId="9" srcId="1" destId="5" srcOrd="3" destOrd="0"/>
+      </dgm:cxnLst>
+      <dgm:bg/>
+      <dgm:whole/>
+    </dgm:dataModel>
+  </dgm:sampData>
+  <dgm:styleData>
+    <dgm:dataModel>
+      <dgm:ptLst>
+        <dgm:pt modelId="0" type="doc"/>
+        <dgm:pt modelId="1"/>
+        <dgm:pt modelId="12"/>
+        <dgm:pt modelId="13"/>
+      </dgm:ptLst>
+      <dgm:cxnLst>
+        <dgm:cxn modelId="2" srcId="0" destId="1" srcOrd="0" destOrd="0"/>
+        <dgm:cxn modelId="16" srcId="1" destId="12" srcOrd="1" destOrd="0"/>
+        <dgm:cxn modelId="17" srcId="1" destId="13" srcOrd="2" destOrd="0"/>
+      </dgm:cxnLst>
+      <dgm:bg/>
+      <dgm:whole/>
+    </dgm:dataModel>
+  </dgm:styleData>
+  <dgm:clrData>
+    <dgm:dataModel>
+      <dgm:ptLst>
+        <dgm:pt modelId="0" type="doc"/>
+        <dgm:pt modelId="1"/>
+        <dgm:pt modelId="11" type="asst"/>
+        <dgm:pt modelId="12"/>
+        <dgm:pt modelId="13"/>
+        <dgm:pt modelId="14"/>
+      </dgm:ptLst>
+      <dgm:cxnLst>
+        <dgm:cxn modelId="2" srcId="0" destId="1" srcOrd="0" destOrd="0"/>
+        <dgm:cxn modelId="15" srcId="1" destId="11" srcOrd="0" destOrd="0"/>
+        <dgm:cxn modelId="16" srcId="1" destId="12" srcOrd="1" destOrd="0"/>
+        <dgm:cxn modelId="17" srcId="1" destId="13" srcOrd="2" destOrd="0"/>
+        <dgm:cxn modelId="18" srcId="1" destId="14" srcOrd="2" destOrd="0"/>
+      </dgm:cxnLst>
+      <dgm:bg/>
+      <dgm:whole/>
+    </dgm:dataModel>
+  </dgm:clrData>
+  <dgm:layoutNode name="hierChild1">
+    <dgm:varLst>
+      <dgm:orgChart val="1"/>
+      <dgm:chPref val="1"/>
+      <dgm:dir/>
+      <dgm:animOne val="branch"/>
+      <dgm:animLvl val="lvl"/>
+      <dgm:resizeHandles/>
+    </dgm:varLst>
+    <dgm:choose name="Name0">
+      <dgm:if name="Name1" func="var" arg="dir" op="equ" val="norm">
+        <dgm:alg type="hierChild">
+          <dgm:param type="linDir" val="fromL"/>
+        </dgm:alg>
+      </dgm:if>
+      <dgm:else name="Name2">
+        <dgm:alg type="hierChild">
+          <dgm:param type="linDir" val="fromR"/>
+        </dgm:alg>
+      </dgm:else>
+    </dgm:choose>
+    <dgm:shape xmlns:r="http://schemas.openxmlformats.org/officeDocument/2006/relationships" r:blip="">
+      <dgm:adjLst/>
+    </dgm:shape>
+    <dgm:presOf/>
+    <dgm:constrLst>
+      <dgm:constr type="w" for="des" forName="rootComposite1" refType="w" fact="10"/>
+      <dgm:constr type="h" for="des" forName="rootComposite1" refType="w" refFor="des" refForName="rootComposite1" fact="0.5"/>
+      <dgm:constr type="w" for="des" forName="rootComposite" refType="w" fact="10"/>
+      <dgm:constr type="h" for="des" forName="rootComposite" refType="w" refFor="des" refForName="rootComposite1" fact="0.5"/>
+      <dgm:constr type="w" for="des" forName="rootComposite3" refType="w" fact="10"/>
+      <dgm:constr type="h" for="des" forName="rootComposite3" refType="w" refFor="des" refForName="rootComposite1" fact="0.5"/>
+      <dgm:constr type="primFontSz" for="des" ptType="node" op="equ"/>
+      <dgm:constr type="sp" for="des" op="equ"/>
+      <dgm:constr type="sp" for="des" forName="hierRoot1" refType="w" refFor="des" refForName="rootComposite1" fact="0.21"/>
+      <dgm:constr type="sp" for="des" forName="hierRoot2" refType="sp" refFor="des" refForName="hierRoot1"/>
+      <dgm:constr type="sp" for="des" forName="hierRoot3" refType="sp" refFor="des" refForName="hierRoot1"/>
+      <dgm:constr type="sibSp" refType="w" refFor="des" refForName="rootComposite1" fact="0.21"/>
+      <dgm:constr type="sibSp" for="des" forName="hierChild2" refType="sibSp"/>
+      <dgm:constr type="sibSp" for="des" forName="hierChild3" refType="sibSp"/>
+      <dgm:constr type="sibSp" for="des" forName="hierChild4" refType="sibSp"/>
+      <dgm:constr type="sibSp" for="des" forName="hierChild5" refType="sibSp"/>
+      <dgm:constr type="sibSp" for="des" forName="hierChild6" refType="sibSp"/>
+      <dgm:constr type="sibSp" for="des" forName="hierChild7" refType="sibSp"/>
+      <dgm:constr type="secSibSp" refType="w" refFor="des" refForName="rootComposite1" fact="0.21"/>
+      <dgm:constr type="secSibSp" for="des" forName="hierChild2" refType="secSibSp"/>
+      <dgm:constr type="secSibSp" for="des" forName="hierChild3" refType="secSibSp"/>
+      <dgm:constr type="secSibSp" for="des" forName="hierChild4" refType="secSibSp"/>
+      <dgm:constr type="secSibSp" for="des" forName="hierChild5" refType="secSibSp"/>
+      <dgm:constr type="secSibSp" for="des" forName="hierChild6" refType="secSibSp"/>
+      <dgm:constr type="secSibSp" for="des" forName="hierChild7" refType="secSibSp"/>
+    </dgm:constrLst>
+    <dgm:ruleLst/>
+    <dgm:forEach name="Name3" axis="ch">
+      <dgm:forEach name="Name4" axis="self" ptType="node">
+        <dgm:layoutNode name="hierRoot1">
+          <dgm:varLst>
+            <dgm:hierBranch val="init"/>
+          </dgm:varLst>
+          <dgm:choose name="Name5">
+            <dgm:if name="Name6" func="var" arg="hierBranch" op="equ" val="l">
+              <dgm:choose name="Name7">
+                <dgm:if name="Name8" axis="ch" ptType="asst" func="cnt" op="gte" val="1">
+                  <dgm:alg type="hierRoot">
+                    <dgm:param type="hierAlign" val="tR"/>
+                  </dgm:alg>
+                  <dgm:constrLst>
+                    <dgm:constr type="alignOff" val="0.65"/>
+                  </dgm:constrLst>
+                </dgm:if>
+                <dgm:else name="Name9">
+                  <dgm:alg type="hierRoot">
+                    <dgm:param type="hierAlign" val="tR"/>
+                  </dgm:alg>
+                  <dgm:constrLst>
+                    <dgm:constr type="alignOff" val="0.25"/>
+                  </dgm:constrLst>
+                </dgm:else>
+              </dgm:choose>
+            </dgm:if>
+            <dgm:if name="Name10" func="var" arg="hierBranch" op="equ" val="r">
+              <dgm:choose name="Name11">
+                <dgm:if name="Name12" axis="ch" ptType="asst" func="cnt" op="gte" val="1">
+                  <dgm:alg type="hierRoot">
+                    <dgm:param type="hierAlign" val="tL"/>
+                  </dgm:alg>
+                  <dgm:constrLst>
+                    <dgm:constr type="alignOff" val="0.65"/>
+                  </dgm:constrLst>
+                </dgm:if>
+                <dgm:else name="Name13">
+                  <dgm:alg type="hierRoot">
+                    <dgm:param type="hierAlign" val="tL"/>
+                  </dgm:alg>
+                  <dgm:constrLst>
+                    <dgm:constr type="alignOff" val="0.25"/>
+                  </dgm:constrLst>
+                </dgm:else>
+              </dgm:choose>
+            </dgm:if>
+            <dgm:if name="Name14" func="var" arg="hierBranch" op="equ" val="hang">
+              <dgm:alg type="hierRoot"/>
+              <dgm:constrLst>
+                <dgm:constr type="alignOff" val="0.65"/>
+              </dgm:constrLst>
+            </dgm:if>
+            <dgm:else name="Name15">
+              <dgm:alg type="hierRoot"/>
+              <dgm:constrLst>
+                <dgm:constr type="alignOff"/>
+                <dgm:constr type="bendDist" for="des" ptType="parTrans" refType="sp" fact="0.5"/>
+              </dgm:constrLst>
+            </dgm:else>
+          </dgm:choose>
+          <dgm:shape xmlns:r="http://schemas.openxmlformats.org/officeDocument/2006/relationships" r:blip="">
+            <dgm:adjLst/>
+          </dgm:shape>
+          <dgm:presOf/>
+          <dgm:ruleLst/>
+          <dgm:layoutNode name="rootComposite1">
+            <dgm:alg type="composite"/>
+            <dgm:shape xmlns:r="http://schemas.openxmlformats.org/officeDocument/2006/relationships" r:blip="">
+              <dgm:adjLst/>
+            </dgm:shape>
+            <dgm:presOf axis="self" ptType="node" cnt="1"/>
+            <dgm:choose name="Name16">
+              <dgm:if name="Name17" func="var" arg="hierBranch" op="equ" val="init">
+                <dgm:constrLst>
+                  <dgm:constr type="l" for="ch" forName="rootText1"/>
+                  <dgm:constr type="t" for="ch" forName="rootText1"/>
+                  <dgm:constr type="w" for="ch" forName="rootText1" refType="w"/>
+                  <dgm:constr type="h" for="ch" forName="rootText1" refType="h"/>
+                  <dgm:constr type="l" for="ch" forName="rootConnector1"/>
+                  <dgm:constr type="t" for="ch" forName="rootConnector1"/>
+                  <dgm:constr type="w" for="ch" forName="rootConnector1" refType="w" refFor="ch" refForName="rootText1" fact="0.2"/>
+                  <dgm:constr type="h" for="ch" forName="rootConnector1" refType="h" refFor="ch" refForName="rootText1"/>
+                </dgm:constrLst>
+              </dgm:if>
+              <dgm:if name="Name18" func="var" arg="hierBranch" op="equ" val="l">
+                <dgm:constrLst>
+                  <dgm:constr type="l" for="ch" forName="rootText1"/>
+                  <dgm:constr type="t" for="ch" forName="rootText1"/>
+                  <dgm:constr type="w" for="ch" forName="rootText1" refType="w"/>
+                  <dgm:constr type="h" for="ch" forName="rootText1" refType="h"/>
+                  <dgm:constr type="r" for="ch" forName="rootConnector1" refType="w"/>
+                  <dgm:constr type="t" for="ch" forName="rootConnector1"/>
+                  <dgm:constr type="w" for="ch" forName="rootConnector1" refType="w" refFor="ch" refForName="rootText1" fact="0.2"/>
+                  <dgm:constr type="h" for="ch" forName="rootConnector1" refType="h" refFor="ch" refForName="rootText1"/>
+                </dgm:constrLst>
+              </dgm:if>
+              <dgm:if name="Name19" func="var" arg="hierBranch" op="equ" val="r">
+                <dgm:constrLst>
+                  <dgm:constr type="l" for="ch" forName="rootText1"/>
+                  <dgm:constr type="t" for="ch" forName="rootText1"/>
+                  <dgm:constr type="w" for="ch" forName="rootText1" refType="w"/>
+                  <dgm:constr type="h" for="ch" forName="rootText1" refType="h"/>
+                  <dgm:constr type="l" for="ch" forName="rootConnector1"/>
+                  <dgm:constr type="t" for="ch" forName="rootConnector1"/>
+                  <dgm:constr type="w" for="ch" forName="rootConnector1" refType="w" refFor="ch" refForName="rootText1" fact="0.2"/>
+                  <dgm:constr type="h" for="ch" forName="rootConnector1" refType="h" refFor="ch" refForName="rootText1"/>
+                </dgm:constrLst>
+              </dgm:if>
+              <dgm:else name="Name20">
+                <dgm:constrLst>
+                  <dgm:constr type="l" for="ch" forName="rootText1"/>
+                  <dgm:constr type="t" for="ch" forName="rootText1"/>
+                  <dgm:constr type="w" for="ch" forName="rootText1" refType="w"/>
+                  <dgm:constr type="h" for="ch" forName="rootText1" refType="h"/>
+                  <dgm:constr type="r" for="ch" forName="rootConnector1" refType="w"/>
+                  <dgm:constr type="t" for="ch" forName="rootConnector1"/>
+                  <dgm:constr type="w" for="ch" forName="rootConnector1" refType="w" refFor="ch" refForName="rootText1" fact="0.2"/>
+                  <dgm:constr type="h" for="ch" forName="rootConnector1" refType="h" refFor="ch" refForName="rootText1"/>
+                </dgm:constrLst>
+              </dgm:else>
+            </dgm:choose>
+            <dgm:ruleLst/>
+            <dgm:layoutNode name="rootText1" styleLbl="node0">
+              <dgm:varLst>
+                <dgm:chPref val="3"/>
+              </dgm:varLst>
+              <dgm:alg type="tx"/>
+              <dgm:shape xmlns:r="http://schemas.openxmlformats.org/officeDocument/2006/relationships" type="rect" r:blip="">
+                <dgm:adjLst/>
+              </dgm:shape>
+              <dgm:presOf axis="self" ptType="node" cnt="1"/>
+              <dgm:constrLst>
+                <dgm:constr type="primFontSz" val="65"/>
+                <dgm:constr type="lMarg" refType="primFontSz" fact="0.05"/>
+                <dgm:constr type="rMarg" refType="primFontSz" fact="0.05"/>
+                <dgm:constr type="tMarg" refType="primFontSz" fact="0.05"/>
+                <dgm:constr type="bMarg" refType="primFontSz" fact="0.05"/>
+              </dgm:constrLst>
+              <dgm:ruleLst>
+                <dgm:rule type="primFontSz" val="5" fact="NaN" max="NaN"/>
+              </dgm:ruleLst>
+            </dgm:layoutNode>
+            <dgm:layoutNode name="rootConnector1" moveWith="rootText1">
+              <dgm:alg type="sp"/>
+              <dgm:shape xmlns:r="http://schemas.openxmlformats.org/officeDocument/2006/relationships" type="rect" r:blip="" hideGeom="1">
+                <dgm:adjLst/>
+              </dgm:shape>
+              <dgm:presOf axis="self" ptType="node" cnt="1"/>
+              <dgm:constrLst/>
+              <dgm:ruleLst/>
+            </dgm:layoutNode>
+          </dgm:layoutNode>
+          <dgm:layoutNode name="hierChild2">
+            <dgm:choose name="Name21">
+              <dgm:if name="Name22" func="var" arg="hierBranch" op="equ" val="l">
+                <dgm:alg type="hierChild">
+                  <dgm:param type="chAlign" val="r"/>
+                  <dgm:param type="linDir" val="fromT"/>
+                </dgm:alg>
+              </dgm:if>
+              <dgm:if name="Name23" func="var" arg="hierBranch" op="equ" val="r">
+                <dgm:alg type="hierChild">
+                  <dgm:param type="chAlign" val="l"/>
+                  <dgm:param type="linDir" val="fromT"/>
+                </dgm:alg>
+              </dgm:if>
+              <dgm:if name="Name24" func="var" arg="hierBranch" op="equ" val="hang">
+                <dgm:choose name="Name25">
+                  <dgm:if name="Name26" func="var" arg="dir" op="equ" val="norm">
+                    <dgm:alg type="hierChild">
+                      <dgm:param type="chAlign" val="l"/>
+                      <dgm:param type="linDir" val="fromL"/>
+                      <dgm:param type="secChAlign" val="t"/>
+                      <dgm:param type="secLinDir" val="fromT"/>
+                    </dgm:alg>
+                  </dgm:if>
+                  <dgm:else name="Name27">
+                    <dgm:alg type="hierChild">
+                      <dgm:param type="chAlign" val="l"/>
+                      <dgm:param type="linDir" val="fromR"/>
+                      <dgm:param type="secChAlign" val="t"/>
+                      <dgm:param type="secLinDir" val="fromT"/>
+                    </dgm:alg>
+                  </dgm:else>
+                </dgm:choose>
+              </dgm:if>
+              <dgm:else name="Name28">
+                <dgm:choose name="Name29">
+                  <dgm:if name="Name30" func="var" arg="dir" op="equ" val="norm">
+                    <dgm:alg type="hierChild"/>
+                  </dgm:if>
+                  <dgm:else name="Name31">
+                    <dgm:alg type="hierChild">
+                      <dgm:param type="linDir" val="fromR"/>
+                    </dgm:alg>
+                  </dgm:else>
+                </dgm:choose>
+              </dgm:else>
+            </dgm:choose>
+            <dgm:shape xmlns:r="http://schemas.openxmlformats.org/officeDocument/2006/relationships" r:blip="">
+              <dgm:adjLst/>
+            </dgm:shape>
+            <dgm:presOf/>
+            <dgm:constrLst/>
+            <dgm:ruleLst/>
+            <dgm:forEach name="rep2a" axis="ch" ptType="nonAsst">
+              <dgm:forEach name="Name32" axis="precedSib" ptType="parTrans" st="-1" cnt="1">
+                <dgm:choose name="Name33">
+                  <dgm:if name="Name34" func="var" arg="hierBranch" op="equ" val="std">
+                    <dgm:layoutNode name="Name35">
+                      <dgm:alg type="conn">
+                        <dgm:param type="connRout" val="bend"/>
+                        <dgm:param type="dim" val="1D"/>
+                        <dgm:param type="endSty" val="noArr"/>
+                        <dgm:param type="begPts" val="bCtr"/>
+                        <dgm:param type="endPts" val="tCtr"/>
+                        <dgm:param type="bendPt" val="end"/>
+                      </dgm:alg>
+                      <dgm:shape xmlns:r="http://schemas.openxmlformats.org/officeDocument/2006/relationships" type="conn" r:blip="" zOrderOff="-99999">
+                        <dgm:adjLst/>
+                      </dgm:shape>
+                      <dgm:presOf axis="self"/>
+                      <dgm:constrLst>
+                        <dgm:constr type="begPad"/>
+                        <dgm:constr type="endPad"/>
+                      </dgm:constrLst>
+                      <dgm:ruleLst/>
+                    </dgm:layoutNode>
+                  </dgm:if>
+                  <dgm:if name="Name36" func="var" arg="hierBranch" op="equ" val="init">
+                    <dgm:layoutNode name="Name37">
+                      <dgm:choose name="Name38">
+                        <dgm:if name="Name39" axis="self" func="depth" op="lte" val="2">
+                          <dgm:alg type="conn">
+                            <dgm:param type="connRout" val="bend"/>
+                            <dgm:param type="dim" val="1D"/>
+                            <dgm:param type="endSty" val="noArr"/>
+                            <dgm:param type="begPts" val="bCtr"/>
+                            <dgm:param type="endPts" val="tCtr"/>
+                            <dgm:param type="bendPt" val="end"/>
+                          </dgm:alg>
+                        </dgm:if>
+                        <dgm:else name="Name40">
+                          <dgm:choose name="Name41">
+                            <dgm:if name="Name42" axis="par des" func="maxDepth" op="lte" val="1">
+                              <dgm:choose name="Name43">
+                                <dgm:if name="Name44" axis="par ch" ptType="node asst" func="cnt" op="gte" val="1">
+                                  <dgm:alg type="conn">
+                                    <dgm:param type="connRout" val="bend"/>
+                                    <dgm:param type="dim" val="1D"/>
+                                    <dgm:param type="endSty" val="noArr"/>
+                                    <dgm:param type="begPts" val="bCtr"/>
+                                    <dgm:param type="endPts" val="midL midR"/>
+                                  </dgm:alg>
+                                </dgm:if>
+                                <dgm:else name="Name45">
+                                  <dgm:alg type="conn">
+                                    <dgm:param type="connRout" val="bend"/>
+                                    <dgm:param type="dim" val="1D"/>
+                                    <dgm:param type="endSty" val="noArr"/>
+                                    <dgm:param type="begPts" val="bCtr"/>
+                                    <dgm:param type="endPts" val="midL midR"/>
+                                    <dgm:param type="srcNode" val="rootConnector"/>
+                                  </dgm:alg>
+                                </dgm:else>
+                              </dgm:choose>
+                            </dgm:if>
+                            <dgm:else name="Name46">
+                              <dgm:alg type="conn">
+                                <dgm:param type="connRout" val="bend"/>
+                                <dgm:param type="dim" val="1D"/>
+                                <dgm:param type="endSty" val="noArr"/>
+                                <dgm:param type="begPts" val="bCtr"/>
+                                <dgm:param type="endPts" val="tCtr"/>
+                                <dgm:param type="bendPt" val="end"/>
+                              </dgm:alg>
+                            </dgm:else>
+                          </dgm:choose>
+                        </dgm:else>
+                      </dgm:choose>
+                      <dgm:shape xmlns:r="http://schemas.openxmlformats.org/officeDocument/2006/relationships" type="conn" r:blip="" zOrderOff="-99999">
+                        <dgm:adjLst/>
+                      </dgm:shape>
+                      <dgm:presOf axis="self"/>
+                      <dgm:constrLst>
+                        <dgm:constr type="begPad"/>
+                        <dgm:constr type="endPad"/>
+                      </dgm:constrLst>
+                      <dgm:ruleLst/>
+                    </dgm:layoutNode>
+                  </dgm:if>
+                  <dgm:if name="Name47" func="var" arg="hierBranch" op="equ" val="hang">
+                    <dgm:layoutNode name="Name48">
+                      <dgm:alg type="conn">
+                        <dgm:param type="connRout" val="bend"/>
+                        <dgm:param type="dim" val="1D"/>
+                        <dgm:param type="endSty" val="noArr"/>
+                        <dgm:param type="begPts" val="bCtr"/>
+                        <dgm:param type="endPts" val="midL midR"/>
+                      </dgm:alg>
+                      <dgm:shape xmlns:r="http://schemas.openxmlformats.org/officeDocument/2006/relationships" type="conn" r:blip="" zOrderOff="-99999">
+                        <dgm:adjLst/>
+                      </dgm:shape>
+                      <dgm:presOf axis="self"/>
+                      <dgm:constrLst>
+                        <dgm:constr type="begPad"/>
+                        <dgm:constr type="endPad"/>
+                      </dgm:constrLst>
+                      <dgm:ruleLst/>
+                    </dgm:layoutNode>
+                  </dgm:if>
+                  <dgm:else name="Name49">
+                    <dgm:layoutNode name="Name50">
+                      <dgm:choose name="Name51">
+                        <dgm:if name="Name52" axis="self" func="depth" op="lte" val="2">
+                          <dgm:choose name="Name53">
+                            <dgm:if name="Name54" axis="par ch" ptType="node asst" func="cnt" op="gte" val="1">
+                              <dgm:alg type="conn">
+                                <dgm:param type="connRout" val="bend"/>
+                                <dgm:param type="dim" val="1D"/>
+                                <dgm:param type="endSty" val="noArr"/>
+                                <dgm:param type="begPts" val="bCtr"/>
+                                <dgm:param type="endPts" val="midL midR"/>
+                              </dgm:alg>
+                            </dgm:if>
+                            <dgm:else name="Name55">
+                              <dgm:alg type="conn">
+                                <dgm:param type="connRout" val="bend"/>
+                                <dgm:param type="dim" val="1D"/>
+                                <dgm:param type="endSty" val="noArr"/>
+                                <dgm:param type="begPts" val="bCtr"/>
+                                <dgm:param type="endPts" val="midL midR"/>
+                                <dgm:param type="srcNode" val="rootConnector1"/>
+                              </dgm:alg>
+                            </dgm:else>
+                          </dgm:choose>
+                        </dgm:if>
+                        <dgm:else name="Name56">
+                          <dgm:choose name="Name57">
+                            <dgm:if name="Name58" axis="par ch" ptType="node asst" func="cnt" op="gte" val="1">
+                              <dgm:alg type="conn">
+                                <dgm:param type="connRout" val="bend"/>
+                                <dgm:param type="dim" val="1D"/>
+                                <dgm:param type="endSty" val="noArr"/>
+                                <dgm:param type="begPts" val="bCtr"/>
+                                <dgm:param type="endPts" val="midL midR"/>
+                              </dgm:alg>
+                            </dgm:if>
+                            <dgm:else name="Name59">
+                              <dgm:alg type="conn">
+                                <dgm:param type="connRout" val="bend"/>
+                                <dgm:param type="dim" val="1D"/>
+                                <dgm:param type="endSty" val="noArr"/>
+                                <dgm:param type="begPts" val="bCtr"/>
+                                <dgm:param type="endPts" val="midL midR"/>
+                                <dgm:param type="srcNode" val="rootConnector"/>
+                              </dgm:alg>
+                            </dgm:else>
+                          </dgm:choose>
+                        </dgm:else>
+                      </dgm:choose>
+                      <dgm:shape xmlns:r="http://schemas.openxmlformats.org/officeDocument/2006/relationships" type="conn" r:blip="" zOrderOff="-99999">
+                        <dgm:adjLst/>
+                      </dgm:shape>
+                      <dgm:presOf axis="self"/>
+                      <dgm:constrLst>
+                        <dgm:constr type="begPad"/>
+                        <dgm:constr type="endPad"/>
+                      </dgm:constrLst>
+                      <dgm:ruleLst/>
+                    </dgm:layoutNode>
+                  </dgm:else>
+                </dgm:choose>
+              </dgm:forEach>
+              <dgm:layoutNode name="hierRoot2">
+                <dgm:varLst>
+                  <dgm:hierBranch val="init"/>
+                </dgm:varLst>
+                <dgm:choose name="Name60">
+                  <dgm:if name="Name61" func="var" arg="hierBranch" op="equ" val="l">
+                    <dgm:choose name="Name62">
+                      <dgm:if name="Name63" axis="ch" ptType="asst" func="cnt" op="gte" val="1">
+                        <dgm:alg type="hierRoot">
+                          <dgm:param type="hierAlign" val="tR"/>
+                        </dgm:alg>
+                        <dgm:shape xmlns:r="http://schemas.openxmlformats.org/officeDocument/2006/relationships" r:blip="">
+                          <dgm:adjLst/>
+                        </dgm:shape>
+                        <dgm:presOf/>
+                        <dgm:constrLst>
+                          <dgm:constr type="alignOff" val="0.65"/>
+                        </dgm:constrLst>
+                      </dgm:if>
+                      <dgm:else name="Name64">
+                        <dgm:alg type="hierRoot">
+                          <dgm:param type="hierAlign" val="tR"/>
+                        </dgm:alg>
+                        <dgm:shape xmlns:r="http://schemas.openxmlformats.org/officeDocument/2006/relationships" r:blip="">
+                          <dgm:adjLst/>
+                        </dgm:shape>
+                        <dgm:presOf/>
+                        <dgm:constrLst>
+                          <dgm:constr type="alignOff" val="0.25"/>
+                        </dgm:constrLst>
+                      </dgm:else>
+                    </dgm:choose>
+                  </dgm:if>
+                  <dgm:if name="Name65" func="var" arg="hierBranch" op="equ" val="r">
+                    <dgm:choose name="Name66">
+                      <dgm:if name="Name67" axis="ch" ptType="asst" func="cnt" op="gte" val="1">
+                        <dgm:alg type="hierRoot">
+                          <dgm:param type="hierAlign" val="tL"/>
+                        </dgm:alg>
+                        <dgm:shape xmlns:r="http://schemas.openxmlformats.org/officeDocument/2006/relationships" r:blip="">
+                          <dgm:adjLst/>
+                        </dgm:shape>
+                        <dgm:presOf/>
+                        <dgm:constrLst>
+                          <dgm:constr type="alignOff" val="0.65"/>
+                        </dgm:constrLst>
+                      </dgm:if>
+                      <dgm:else name="Name68">
+                        <dgm:alg type="hierRoot">
+                          <dgm:param type="hierAlign" val="tL"/>
+                        </dgm:alg>
+                        <dgm:shape xmlns:r="http://schemas.openxmlformats.org/officeDocument/2006/relationships" r:blip="">
+                          <dgm:adjLst/>
+                        </dgm:shape>
+                        <dgm:presOf/>
+                        <dgm:constrLst>
+                          <dgm:constr type="alignOff" val="0.25"/>
+                        </dgm:constrLst>
+                      </dgm:else>
+                    </dgm:choose>
+                  </dgm:if>
+                  <dgm:if name="Name69" func="var" arg="hierBranch" op="equ" val="std">
+                    <dgm:alg type="hierRoot"/>
+                    <dgm:shape xmlns:r="http://schemas.openxmlformats.org/officeDocument/2006/relationships" r:blip="">
+                      <dgm:adjLst/>
+                    </dgm:shape>
+                    <dgm:presOf/>
+                    <dgm:constrLst>
+                      <dgm:constr type="alignOff"/>
+                      <dgm:constr type="bendDist" for="des" ptType="parTrans" refType="sp" fact="0.5"/>
+                    </dgm:constrLst>
+                  </dgm:if>
+                  <dgm:if name="Name70" func="var" arg="hierBranch" op="equ" val="init">
+                    <dgm:choose name="Name71">
+                      <dgm:if name="Name72" axis="des" func="maxDepth" op="lte" val="1">
+                        <dgm:choose name="Name73">
+                          <dgm:if name="Name74" axis="ch" ptType="asst" func="cnt" op="gte" val="1">
+                            <dgm:alg type="hierRoot">
+                              <dgm:param type="hierAlign" val="tL"/>
+                            </dgm:alg>
+                            <dgm:shape xmlns:r="http://schemas.openxmlformats.org/officeDocument/2006/relationships" r:blip="">
+                              <dgm:adjLst/>
+                            </dgm:shape>
+                            <dgm:presOf/>
+                            <dgm:constrLst>
+                              <dgm:constr type="alignOff" val="0.65"/>
+                            </dgm:constrLst>
+                          </dgm:if>
+                          <dgm:else name="Name75">
+                            <dgm:alg type="hierRoot">
+                              <dgm:param type="hierAlign" val="tL"/>
+                            </dgm:alg>
+                            <dgm:shape xmlns:r="http://schemas.openxmlformats.org/officeDocument/2006/relationships" r:blip="">
+                              <dgm:adjLst/>
+                            </dgm:shape>
+                            <dgm:presOf/>
+                            <dgm:constrLst>
+                              <dgm:constr type="alignOff" val="0.25"/>
+                            </dgm:constrLst>
+                          </dgm:else>
+                        </dgm:choose>
+                      </dgm:if>
+                      <dgm:else name="Name76">
+                        <dgm:alg type="hierRoot"/>
+                        <dgm:shape xmlns:r="http://schemas.openxmlformats.org/officeDocument/2006/relationships" r:blip="">
+                          <dgm:adjLst/>
+                        </dgm:shape>
+                        <dgm:presOf/>
+                        <dgm:constrLst>
+                          <dgm:constr type="alignOff"/>
+                          <dgm:constr type="bendDist" for="des" ptType="parTrans" refType="sp" fact="0.5"/>
+                        </dgm:constrLst>
+                      </dgm:else>
+                    </dgm:choose>
+                  </dgm:if>
+                  <dgm:else name="Name77">
+                    <dgm:alg type="hierRoot"/>
+                    <dgm:shape xmlns:r="http://schemas.openxmlformats.org/officeDocument/2006/relationships" r:blip="">
+                      <dgm:adjLst/>
+                    </dgm:shape>
+                    <dgm:presOf/>
+                    <dgm:constrLst>
+                      <dgm:constr type="alignOff" val="0.65"/>
+                    </dgm:constrLst>
+                  </dgm:else>
+                </dgm:choose>
+                <dgm:ruleLst/>
+                <dgm:layoutNode name="rootComposite">
+                  <dgm:alg type="composite"/>
+                  <dgm:shape xmlns:r="http://schemas.openxmlformats.org/officeDocument/2006/relationships" r:blip="">
+                    <dgm:adjLst/>
+                  </dgm:shape>
+                  <dgm:presOf axis="self" ptType="node" cnt="1"/>
+                  <dgm:choose name="Name78">
+                    <dgm:if name="Name79" func="var" arg="hierBranch" op="equ" val="init">
+                      <dgm:constrLst>
+                        <dgm:constr type="l" for="ch" forName="rootText"/>
+                        <dgm:constr type="t" for="ch" forName="rootText"/>
+                        <dgm:constr type="w" for="ch" forName="rootText" refType="w"/>
+                        <dgm:constr type="h" for="ch" forName="rootText" refType="h"/>
+                        <dgm:constr type="l" for="ch" forName="rootConnector"/>
+                        <dgm:constr type="t" for="ch" forName="rootConnector"/>
+                        <dgm:constr type="w" for="ch" forName="rootConnector" refType="w" refFor="ch" refForName="rootText" fact="0.2"/>
+                        <dgm:constr type="h" for="ch" forName="rootConnector" refType="h" refFor="ch" refForName="rootText"/>
+                      </dgm:constrLst>
+                    </dgm:if>
+                    <dgm:if name="Name80" func="var" arg="hierBranch" op="equ" val="l">
+                      <dgm:constrLst>
+                        <dgm:constr type="l" for="ch" forName="rootText"/>
+                        <dgm:constr type="t" for="ch" forName="rootText"/>
+                        <dgm:constr type="w" for="ch" forName="rootText" refType="w"/>
+                        <dgm:constr type="h" for="ch" forName="rootText" refType="h"/>
+                        <dgm:constr type="r" for="ch" forName="rootConnector" refType="w"/>
+                        <dgm:constr type="t" for="ch" forName="rootConnector"/>
+                        <dgm:constr type="w" for="ch" forName="rootConnector" refType="w" refFor="ch" refForName="rootText" fact="0.2"/>
+                        <dgm:constr type="h" for="ch" forName="rootConnector" refType="h" refFor="ch" refForName="rootText"/>
+                      </dgm:constrLst>
+                    </dgm:if>
+                    <dgm:if name="Name81" func="var" arg="hierBranch" op="equ" val="r">
+                      <dgm:constrLst>
+                        <dgm:constr type="l" for="ch" forName="rootText"/>
+                        <dgm:constr type="t" for="ch" forName="rootText"/>
+                        <dgm:constr type="w" for="ch" forName="rootText" refType="w"/>
+                        <dgm:constr type="h" for="ch" forName="rootText" refType="h"/>
+                        <dgm:constr type="l" for="ch" forName="rootConnector"/>
+                        <dgm:constr type="t" for="ch" forName="rootConnector"/>
+                        <dgm:constr type="w" for="ch" forName="rootConnector" refType="w" refFor="ch" refForName="rootText" fact="0.2"/>
+                        <dgm:constr type="h" for="ch" forName="rootConnector" refType="h" refFor="ch" refForName="rootText"/>
+                      </dgm:constrLst>
+                    </dgm:if>
+                    <dgm:else name="Name82">
+                      <dgm:constrLst>
+                        <dgm:constr type="l" for="ch" forName="rootText"/>
+                        <dgm:constr type="t" for="ch" forName="rootText"/>
+                        <dgm:constr type="w" for="ch" forName="rootText" refType="w"/>
+                        <dgm:constr type="h" for="ch" forName="rootText" refType="h"/>
+                        <dgm:constr type="r" for="ch" forName="rootConnector" refType="w"/>
+                        <dgm:constr type="t" for="ch" forName="rootConnector"/>
+                        <dgm:constr type="w" for="ch" forName="rootConnector" refType="w" refFor="ch" refForName="rootText" fact="0.2"/>
+                        <dgm:constr type="h" for="ch" forName="rootConnector" refType="h" refFor="ch" refForName="rootText"/>
+                      </dgm:constrLst>
+                    </dgm:else>
+                  </dgm:choose>
+                  <dgm:ruleLst/>
+                  <dgm:layoutNode name="rootText">
+                    <dgm:varLst>
+                      <dgm:chPref val="3"/>
+                    </dgm:varLst>
+                    <dgm:alg type="tx"/>
+                    <dgm:shape xmlns:r="http://schemas.openxmlformats.org/officeDocument/2006/relationships" type="rect" r:blip="">
+                      <dgm:adjLst/>
+                    </dgm:shape>
+                    <dgm:presOf axis="self" ptType="node" cnt="1"/>
+                    <dgm:constrLst>
+                      <dgm:constr type="primFontSz" val="65"/>
+                      <dgm:constr type="lMarg" refType="primFontSz" fact="0.05"/>
+                      <dgm:constr type="rMarg" refType="primFontSz" fact="0.05"/>
+                      <dgm:constr type="tMarg" refType="primFontSz" fact="0.05"/>
+                      <dgm:constr type="bMarg" refType="primFontSz" fact="0.05"/>
+                    </dgm:constrLst>
+                    <dgm:ruleLst>
+                      <dgm:rule type="primFontSz" val="5" fact="NaN" max="NaN"/>
+                    </dgm:ruleLst>
+                  </dgm:layoutNode>
+                  <dgm:layoutNode name="rootConnector" moveWith="rootText">
+                    <dgm:alg type="sp"/>
+                    <dgm:shape xmlns:r="http://schemas.openxmlformats.org/officeDocument/2006/relationships" type="rect" r:blip="" hideGeom="1">
+                      <dgm:adjLst/>
+                    </dgm:shape>
+                    <dgm:presOf axis="self" ptType="node" cnt="1"/>
+                    <dgm:constrLst/>
+                    <dgm:ruleLst/>
+                  </dgm:layoutNode>
+                </dgm:layoutNode>
+                <dgm:layoutNode name="hierChild4">
+                  <dgm:choose name="Name83">
+                    <dgm:if name="Name84" func="var" arg="hierBranch" op="equ" val="l">
+                      <dgm:alg type="hierChild">
+                        <dgm:param type="chAlign" val="r"/>
+                        <dgm:param type="linDir" val="fromT"/>
+                      </dgm:alg>
+                    </dgm:if>
+                    <dgm:if name="Name85" func="var" arg="hierBranch" op="equ" val="r">
+                      <dgm:alg type="hierChild">
+                        <dgm:param type="chAlign" val="l"/>
+                        <dgm:param type="linDir" val="fromT"/>
+                      </dgm:alg>
+                    </dgm:if>
+                    <dgm:if name="Name86" func="var" arg="hierBranch" op="equ" val="hang">
+                      <dgm:choose name="Name87">
+                        <dgm:if name="Name88" func="var" arg="dir" op="equ" val="norm">
+                          <dgm:alg type="hierChild">
+                            <dgm:param type="chAlign" val="l"/>
+                            <dgm:param type="linDir" val="fromL"/>
+                            <dgm:param type="secChAlign" val="t"/>
+                            <dgm:param type="secLinDir" val="fromT"/>
+                          </dgm:alg>
+                        </dgm:if>
+                        <dgm:else name="Name89">
+                          <dgm:alg type="hierChild">
+                            <dgm:param type="chAlign" val="l"/>
+                            <dgm:param type="linDir" val="fromR"/>
+                            <dgm:param type="secChAlign" val="t"/>
+                            <dgm:param type="secLinDir" val="fromT"/>
+                          </dgm:alg>
+                        </dgm:else>
+                      </dgm:choose>
+                    </dgm:if>
+                    <dgm:if name="Name90" func="var" arg="hierBranch" op="equ" val="std">
+                      <dgm:choose name="Name91">
+                        <dgm:if name="Name92" func="var" arg="dir" op="equ" val="norm">
+                          <dgm:alg type="hierChild"/>
+                        </dgm:if>
+                        <dgm:else name="Name93">
+                          <dgm:alg type="hierChild">
+                            <dgm:param type="linDir" val="fromR"/>
+                          </dgm:alg>
+                        </dgm:else>
+                      </dgm:choose>
+                    </dgm:if>
+                    <dgm:if name="Name94" func="var" arg="hierBranch" op="equ" val="init">
+                      <dgm:choose name="Name95">
+                        <dgm:if name="Name96" axis="des" func="maxDepth" op="lte" val="1">
+                          <dgm:alg type="hierChild">
+                            <dgm:param type="chAlign" val="l"/>
+                            <dgm:param type="linDir" val="fromT"/>
+                          </dgm:alg>
+                        </dgm:if>
+                        <dgm:else name="Name97">
+                          <dgm:choose name="Name98">
+                            <dgm:if name="Name99" func="var" arg="dir" op="equ" val="norm">
+                              <dgm:alg type="hierChild"/>
+                            </dgm:if>
+                            <dgm:else name="Name100">
+                              <dgm:alg type="hierChild">
+                                <dgm:param type="linDir" val="fromR"/>
+                              </dgm:alg>
+                            </dgm:else>
+                          </dgm:choose>
+                        </dgm:else>
+                      </dgm:choose>
+                    </dgm:if>
+                    <dgm:else name="Name101"/>
+                  </dgm:choose>
+                  <dgm:shape xmlns:r="http://schemas.openxmlformats.org/officeDocument/2006/relationships" r:blip="">
+                    <dgm:adjLst/>
+                  </dgm:shape>
+                  <dgm:presOf/>
+                  <dgm:constrLst/>
+                  <dgm:ruleLst/>
+                  <dgm:forEach name="Name102" ref="rep2a"/>
+                </dgm:layoutNode>
+                <dgm:layoutNode name="hierChild5">
+                  <dgm:choose name="Name103">
+                    <dgm:if name="Name104" func="var" arg="dir" op="equ" val="norm">
+                      <dgm:alg type="hierChild">
+                        <dgm:param type="chAlign" val="l"/>
+                        <dgm:param type="linDir" val="fromL"/>
+                        <dgm:param type="secChAlign" val="t"/>
+                        <dgm:param type="secLinDir" val="fromT"/>
+                      </dgm:alg>
+                    </dgm:if>
+                    <dgm:else name="Name105">
+                      <dgm:alg type="hierChild">
+                        <dgm:param type="chAlign" val="l"/>
+                        <dgm:param type="linDir" val="fromR"/>
+                        <dgm:param type="secChAlign" val="t"/>
+                        <dgm:param type="secLinDir" val="fromT"/>
+                      </dgm:alg>
+                    </dgm:else>
+                  </dgm:choose>
+                  <dgm:shape xmlns:r="http://schemas.openxmlformats.org/officeDocument/2006/relationships" r:blip="">
+                    <dgm:adjLst/>
+                  </dgm:shape>
+                  <dgm:presOf/>
+                  <dgm:constrLst/>
+                  <dgm:ruleLst/>
+                  <dgm:forEach name="Name106" ref="rep2b"/>
+                </dgm:layoutNode>
+              </dgm:layoutNode>
+            </dgm:forEach>
+          </dgm:layoutNode>
+          <dgm:layoutNode name="hierChild3">
+            <dgm:choose name="Name107">
+              <dgm:if name="Name108" func="var" arg="dir" op="equ" val="norm">
+                <dgm:alg type="hierChild">
+                  <dgm:param type="chAlign" val="l"/>
+                  <dgm:param type="linDir" val="fromL"/>
+                  <dgm:param type="secChAlign" val="t"/>
+                  <dgm:param type="secLinDir" val="fromT"/>
+                </dgm:alg>
+              </dgm:if>
+              <dgm:else name="Name109">
+                <dgm:alg type="hierChild">
+                  <dgm:param type="chAlign" val="l"/>
+                  <dgm:param type="linDir" val="fromR"/>
+                  <dgm:param type="secChAlign" val="t"/>
+                  <dgm:param type="secLinDir" val="fromT"/>
+                </dgm:alg>
+              </dgm:else>
+            </dgm:choose>
+            <dgm:shape xmlns:r="http://schemas.openxmlformats.org/officeDocument/2006/relationships" r:blip="">
+              <dgm:adjLst/>
+            </dgm:shape>
+            <dgm:presOf/>
+            <dgm:constrLst/>
+            <dgm:ruleLst/>
+            <dgm:forEach name="rep2b" axis="ch" ptType="asst">
+              <dgm:forEach name="Name110" axis="precedSib" ptType="parTrans" st="-1" cnt="1">
+                <dgm:layoutNode name="Name111">
+                  <dgm:alg type="conn">
+                    <dgm:param type="connRout" val="bend"/>
+                    <dgm:param type="dim" val="1D"/>
+                    <dgm:param type="endSty" val="noArr"/>
+                    <dgm:param type="begPts" val="bCtr"/>
+                    <dgm:param type="endPts" val="midL midR"/>
+                  </dgm:alg>
+                  <dgm:shape xmlns:r="http://schemas.openxmlformats.org/officeDocument/2006/relationships" type="conn" r:blip="" zOrderOff="-99999">
+                    <dgm:adjLst/>
+                  </dgm:shape>
+                  <dgm:presOf axis="self"/>
+                  <dgm:constrLst>
+                    <dgm:constr type="begPad"/>
+                    <dgm:constr type="endPad"/>
+                  </dgm:constrLst>
+                  <dgm:ruleLst/>
+                </dgm:layoutNode>
+              </dgm:forEach>
+              <dgm:layoutNode name="hierRoot3">
+                <dgm:varLst>
+                  <dgm:hierBranch val="init"/>
+                </dgm:varLst>
+                <dgm:choose name="Name112">
+                  <dgm:if name="Name113" func="var" arg="hierBranch" op="equ" val="l">
+                    <dgm:alg type="hierRoot">
+                      <dgm:param type="hierAlign" val="tR"/>
+                    </dgm:alg>
+                    <dgm:shape xmlns:r="http://schemas.openxmlformats.org/officeDocument/2006/relationships" r:blip="">
+                      <dgm:adjLst/>
+                    </dgm:shape>
+                    <dgm:presOf/>
+                    <dgm:constrLst>
+                      <dgm:constr type="alignOff" val="0.65"/>
+                    </dgm:constrLst>
+                  </dgm:if>
+                  <dgm:if name="Name114" func="var" arg="hierBranch" op="equ" val="r">
+                    <dgm:alg type="hierRoot">
+                      <dgm:param type="hierAlign" val="tL"/>
+                    </dgm:alg>
+                    <dgm:shape xmlns:r="http://schemas.openxmlformats.org/officeDocument/2006/relationships" r:blip="">
+                      <dgm:adjLst/>
+                    </dgm:shape>
+                    <dgm:presOf/>
+                    <dgm:constrLst>
+                      <dgm:constr type="alignOff" val="0.65"/>
+                    </dgm:constrLst>
+                  </dgm:if>
+                  <dgm:if name="Name115" func="var" arg="hierBranch" op="equ" val="hang">
+                    <dgm:alg type="hierRoot"/>
+                    <dgm:shape xmlns:r="http://schemas.openxmlformats.org/officeDocument/2006/relationships" r:blip="">
+                      <dgm:adjLst/>
+                    </dgm:shape>
+                    <dgm:presOf/>
+                    <dgm:constrLst>
+                      <dgm:constr type="alignOff" val="0.65"/>
+                    </dgm:constrLst>
+                  </dgm:if>
+                  <dgm:if name="Name116" func="var" arg="hierBranch" op="equ" val="std">
+                    <dgm:alg type="hierRoot"/>
+                    <dgm:shape xmlns:r="http://schemas.openxmlformats.org/officeDocument/2006/relationships" r:blip="">
+                      <dgm:adjLst/>
+                    </dgm:shape>
+                    <dgm:presOf/>
+                    <dgm:constrLst>
+                      <dgm:constr type="alignOff"/>
+                      <dgm:constr type="bendDist" for="des" ptType="parTrans" refType="sp" fact="0.5"/>
+                    </dgm:constrLst>
+                  </dgm:if>
+                  <dgm:if name="Name117" func="var" arg="hierBranch" op="equ" val="init">
+                    <dgm:choose name="Name118">
+                      <dgm:if name="Name119" axis="des" func="maxDepth" op="lte" val="1">
+                        <dgm:alg type="hierRoot">
+                          <dgm:param type="hierAlign" val="tL"/>
+                        </dgm:alg>
+                        <dgm:shape xmlns:r="http://schemas.openxmlformats.org/officeDocument/2006/relationships" r:blip="">
+                          <dgm:adjLst/>
+                        </dgm:shape>
+                        <dgm:presOf/>
+                        <dgm:constrLst>
+                          <dgm:constr type="alignOff" val="0.65"/>
+                        </dgm:constrLst>
+                      </dgm:if>
+                      <dgm:else name="Name120">
+                        <dgm:alg type="hierRoot"/>
+                        <dgm:shape xmlns:r="http://schemas.openxmlformats.org/officeDocument/2006/relationships" r:blip="">
+                          <dgm:adjLst/>
+                        </dgm:shape>
+                        <dgm:presOf/>
+                        <dgm:constrLst>
+                          <dgm:constr type="alignOff"/>
+                          <dgm:constr type="bendDist" for="des" ptType="parTrans" refType="sp" fact="0.5"/>
+                        </dgm:constrLst>
+                      </dgm:else>
+                    </dgm:choose>
+                  </dgm:if>
+                  <dgm:else name="Name121"/>
+                </dgm:choose>
+                <dgm:ruleLst/>
+                <dgm:layoutNode name="rootComposite3">
+                  <dgm:alg type="composite"/>
+                  <dgm:shape xmlns:r="http://schemas.openxmlformats.org/officeDocument/2006/relationships" r:blip="">
+                    <dgm:adjLst/>
+                  </dgm:shape>
+                  <dgm:presOf axis="self" ptType="node" cnt="1"/>
+                  <dgm:choose name="Name122">
+                    <dgm:if name="Name123" func="var" arg="hierBranch" op="equ" val="init">
+                      <dgm:constrLst>
+                        <dgm:constr type="l" for="ch" forName="rootText3"/>
+                        <dgm:constr type="t" for="ch" forName="rootText3"/>
+                        <dgm:constr type="w" for="ch" forName="rootText3" refType="w"/>
+                        <dgm:constr type="h" for="ch" forName="rootText3" refType="h"/>
+                        <dgm:constr type="l" for="ch" forName="rootConnector3"/>
+                        <dgm:constr type="t" for="ch" forName="rootConnector3"/>
+                        <dgm:constr type="w" for="ch" forName="rootConnector3" refType="w" refFor="ch" refForName="rootText3" fact="0.2"/>
+                        <dgm:constr type="h" for="ch" forName="rootConnector3" refType="h" refFor="ch" refForName="rootText3"/>
+                      </dgm:constrLst>
+                    </dgm:if>
+                    <dgm:if name="Name124" func="var" arg="hierBranch" op="equ" val="l">
+                      <dgm:constrLst>
+                        <dgm:constr type="l" for="ch" forName="rootText3"/>
+                        <dgm:constr type="t" for="ch" forName="rootText3"/>
+                        <dgm:constr type="w" for="ch" forName="rootText3" refType="w"/>
+                        <dgm:constr type="h" for="ch" forName="rootText3" refType="h"/>
+                        <dgm:constr type="r" for="ch" forName="rootConnector3" refType="w"/>
+                        <dgm:constr type="t" for="ch" forName="rootConnector3"/>
+                        <dgm:constr type="w" for="ch" forName="rootConnector3" refType="w" refFor="ch" refForName="rootText3" fact="0.2"/>
+                        <dgm:constr type="h" for="ch" forName="rootConnector3" refType="h" refFor="ch" refForName="rootText3"/>
+                      </dgm:constrLst>
+                    </dgm:if>
+                    <dgm:if name="Name125" func="var" arg="hierBranch" op="equ" val="r">
+                      <dgm:constrLst>
+                        <dgm:constr type="l" for="ch" forName="rootText3"/>
+                        <dgm:constr type="t" for="ch" forName="rootText3"/>
+                        <dgm:constr type="w" for="ch" forName="rootText3" refType="w"/>
+                        <dgm:constr type="h" for="ch" forName="rootText3" refType="h"/>
+                        <dgm:constr type="l" for="ch" forName="rootConnector3"/>
+                        <dgm:constr type="t" for="ch" forName="rootConnector3"/>
+                        <dgm:constr type="w" for="ch" forName="rootConnector3" refType="w" refFor="ch" refForName="rootText3" fact="0.2"/>
+                        <dgm:constr type="h" for="ch" forName="rootConnector3" refType="h" refFor="ch" refForName="rootText3"/>
+                      </dgm:constrLst>
+                    </dgm:if>
+                    <dgm:else name="Name126">
+                      <dgm:constrLst>
+                        <dgm:constr type="l" for="ch" forName="rootText3"/>
+                        <dgm:constr type="t" for="ch" forName="rootText3"/>
+                        <dgm:constr type="w" for="ch" forName="rootText3" refType="w"/>
+                        <dgm:constr type="h" for="ch" forName="rootText3" refType="h"/>
+                        <dgm:constr type="r" for="ch" forName="rootConnector3" refType="w"/>
+                        <dgm:constr type="t" for="ch" forName="rootConnector3"/>
+                        <dgm:constr type="w" for="ch" forName="rootConnector3" refType="w" refFor="ch" refForName="rootText3" fact="0.2"/>
+                        <dgm:constr type="h" for="ch" forName="rootConnector3" refType="h" refFor="ch" refForName="rootText3"/>
+                      </dgm:constrLst>
+                    </dgm:else>
+                  </dgm:choose>
+                  <dgm:ruleLst/>
+                  <dgm:layoutNode name="rootText3">
+                    <dgm:varLst>
+                      <dgm:chPref val="3"/>
+                    </dgm:varLst>
+                    <dgm:alg type="tx"/>
+                    <dgm:shape xmlns:r="http://schemas.openxmlformats.org/officeDocument/2006/relationships" type="rect" r:blip="">
+                      <dgm:adjLst/>
+                    </dgm:shape>
+                    <dgm:presOf axis="self" ptType="node" cnt="1"/>
+                    <dgm:constrLst>
+                      <dgm:constr type="primFontSz" val="65"/>
+                      <dgm:constr type="lMarg" refType="primFontSz" fact="0.05"/>
+                      <dgm:constr type="rMarg" refType="primFontSz" fact="0.05"/>
+                      <dgm:constr type="tMarg" refType="primFontSz" fact="0.05"/>
+                      <dgm:constr type="bMarg" refType="primFontSz" fact="0.05"/>
+                    </dgm:constrLst>
+                    <dgm:ruleLst>
+                      <dgm:rule type="primFontSz" val="5" fact="NaN" max="NaN"/>
+                    </dgm:ruleLst>
+                  </dgm:layoutNode>
+                  <dgm:layoutNode name="rootConnector3" moveWith="rootText1">
+                    <dgm:alg type="sp"/>
+                    <dgm:shape xmlns:r="http://schemas.openxmlformats.org/officeDocument/2006/relationships" type="rect" r:blip="" hideGeom="1">
+                      <dgm:adjLst/>
+                    </dgm:shape>
+                    <dgm:presOf axis="self" ptType="node" cnt="1"/>
+                    <dgm:constrLst/>
+                    <dgm:ruleLst/>
+                  </dgm:layoutNode>
+                </dgm:layoutNode>
+                <dgm:layoutNode name="hierChild6">
+                  <dgm:choose name="Name127">
+                    <dgm:if name="Name128" func="var" arg="hierBranch" op="equ" val="l">
+                      <dgm:alg type="hierChild">
+                        <dgm:param type="chAlign" val="r"/>
+                        <dgm:param type="linDir" val="fromT"/>
+                      </dgm:alg>
+                    </dgm:if>
+                    <dgm:if name="Name129" func="var" arg="hierBranch" op="equ" val="r">
+                      <dgm:alg type="hierChild">
+                        <dgm:param type="chAlign" val="l"/>
+                        <dgm:param type="linDir" val="fromT"/>
+                      </dgm:alg>
+                    </dgm:if>
+                    <dgm:if name="Name130" func="var" arg="hierBranch" op="equ" val="hang">
+                      <dgm:choose name="Name131">
+                        <dgm:if name="Name132" func="var" arg="dir" op="equ" val="norm">
+                          <dgm:alg type="hierChild">
+                            <dgm:param type="chAlign" val="l"/>
+                            <dgm:param type="linDir" val="fromL"/>
+                            <dgm:param type="secChAlign" val="t"/>
+                            <dgm:param type="secLinDir" val="fromT"/>
+                          </dgm:alg>
+                        </dgm:if>
+                        <dgm:else name="Name133">
+                          <dgm:alg type="hierChild">
+                            <dgm:param type="chAlign" val="l"/>
+                            <dgm:param type="linDir" val="fromR"/>
+                            <dgm:param type="secChAlign" val="t"/>
+                            <dgm:param type="secLinDir" val="fromT"/>
+                          </dgm:alg>
+                        </dgm:else>
+                      </dgm:choose>
+                    </dgm:if>
+                    <dgm:if name="Name134" func="var" arg="hierBranch" op="equ" val="std">
+                      <dgm:choose name="Name135">
+                        <dgm:if name="Name136" func="var" arg="dir" op="equ" val="norm">
+                          <dgm:alg type="hierChild"/>
+                        </dgm:if>
+                        <dgm:else name="Name137">
+                          <dgm:alg type="hierChild">
+                            <dgm:param type="linDir" val="fromR"/>
+                          </dgm:alg>
+                        </dgm:else>
+                      </dgm:choose>
+                    </dgm:if>
+                    <dgm:if name="Name138" func="var" arg="hierBranch" op="equ" val="init">
+                      <dgm:choose name="Name139">
+                        <dgm:if name="Name140" axis="des" func="maxDepth" op="lte" val="1">
+                          <dgm:alg type="hierChild">
+                            <dgm:param type="chAlign" val="l"/>
+                            <dgm:param type="linDir" val="fromT"/>
+                          </dgm:alg>
+                        </dgm:if>
+                        <dgm:else name="Name141">
+                          <dgm:alg type="hierChild"/>
+                        </dgm:else>
+                      </dgm:choose>
+                    </dgm:if>
+                    <dgm:else name="Name142"/>
+                  </dgm:choose>
+                  <dgm:shape xmlns:r="http://schemas.openxmlformats.org/officeDocument/2006/relationships" r:blip="">
+                    <dgm:adjLst/>
+                  </dgm:shape>
+                  <dgm:presOf/>
+                  <dgm:constrLst/>
+                  <dgm:ruleLst/>
+                  <dgm:forEach name="Name143" ref="rep2a"/>
+                </dgm:layoutNode>
+                <dgm:layoutNode name="hierChild7">
+                  <dgm:choose name="Name144">
+                    <dgm:if name="Name145" func="var" arg="dir" op="equ" val="norm">
+                      <dgm:alg type="hierChild">
+                        <dgm:param type="chAlign" val="l"/>
+                        <dgm:param type="linDir" val="fromL"/>
+                        <dgm:param type="secChAlign" val="t"/>
+                        <dgm:param type="secLinDir" val="fromT"/>
+                      </dgm:alg>
+                    </dgm:if>
+                    <dgm:else name="Name146">
+                      <dgm:alg type="hierChild">
+                        <dgm:param type="chAlign" val="l"/>
+                        <dgm:param type="linDir" val="fromR"/>
+                        <dgm:param type="secChAlign" val="t"/>
+                        <dgm:param type="secLinDir" val="fromT"/>
+                      </dgm:alg>
+                    </dgm:else>
+                  </dgm:choose>
+                  <dgm:shape xmlns:r="http://schemas.openxmlformats.org/officeDocument/2006/relationships" r:blip="">
+                    <dgm:adjLst/>
+                  </dgm:shape>
+                  <dgm:presOf/>
+                  <dgm:constrLst/>
+                  <dgm:ruleLst/>
+                  <dgm:forEach name="Name147" ref="rep2b"/>
+                </dgm:layoutNode>
+              </dgm:layoutNode>
+            </dgm:forEach>
+          </dgm:layoutNode>
+        </dgm:layoutNode>
+      </dgm:forEach>
+    </dgm:forEach>
+  </dgm:layoutNode>
+</dgm:layoutDef>
+</file>
+
+<file path=ppt/diagrams/layout2.xml><?xml version="1.0" encoding="utf-8"?>
 <dgm:layoutDef xmlns:dgm="http://schemas.openxmlformats.org/drawingml/2006/diagram" xmlns:a="http://schemas.openxmlformats.org/drawingml/2006/main" uniqueId="urn:microsoft.com/office/officeart/2005/8/layout/orgChart1">
   <dgm:title val=""/>
   <dgm:desc val=""/>
@@ -3916,6 +6475,1040 @@
 </dgm:styleDef>
 </file>
 
+<file path=ppt/diagrams/quickStyle2.xml><?xml version="1.0" encoding="utf-8"?>
+<dgm:styleDef xmlns:dgm="http://schemas.openxmlformats.org/drawingml/2006/diagram" xmlns:a="http://schemas.openxmlformats.org/drawingml/2006/main" uniqueId="urn:microsoft.com/office/officeart/2005/8/quickstyle/simple1">
+  <dgm:title val=""/>
+  <dgm:desc val=""/>
+  <dgm:catLst>
+    <dgm:cat type="simple" pri="10100"/>
+  </dgm:catLst>
+  <dgm:scene3d>
+    <a:camera prst="orthographicFront"/>
+    <a:lightRig rig="threePt" dir="t"/>
+  </dgm:scene3d>
+  <dgm:styleLbl name="node0">
+    <dgm:scene3d>
+      <a:camera prst="orthographicFront"/>
+      <a:lightRig rig="threePt" dir="t"/>
+    </dgm:scene3d>
+    <dgm:sp3d/>
+    <dgm:txPr/>
+    <dgm:style>
+      <a:lnRef idx="2">
+        <a:scrgbClr r="0" g="0" b="0"/>
+      </a:lnRef>
+      <a:fillRef idx="1">
+        <a:scrgbClr r="0" g="0" b="0"/>
+      </a:fillRef>
+      <a:effectRef idx="0">
+        <a:scrgbClr r="0" g="0" b="0"/>
+      </a:effectRef>
+      <a:fontRef idx="minor">
+        <a:schemeClr val="lt1"/>
+      </a:fontRef>
+    </dgm:style>
+  </dgm:styleLbl>
+  <dgm:styleLbl name="lnNode1">
+    <dgm:scene3d>
+      <a:camera prst="orthographicFront"/>
+      <a:lightRig rig="threePt" dir="t"/>
+    </dgm:scene3d>
+    <dgm:sp3d/>
+    <dgm:txPr/>
+    <dgm:style>
+      <a:lnRef idx="2">
+        <a:scrgbClr r="0" g="0" b="0"/>
+      </a:lnRef>
+      <a:fillRef idx="1">
+        <a:scrgbClr r="0" g="0" b="0"/>
+      </a:fillRef>
+      <a:effectRef idx="0">
+        <a:scrgbClr r="0" g="0" b="0"/>
+      </a:effectRef>
+      <a:fontRef idx="minor">
+        <a:schemeClr val="lt1"/>
+      </a:fontRef>
+    </dgm:style>
+  </dgm:styleLbl>
+  <dgm:styleLbl name="vennNode1">
+    <dgm:scene3d>
+      <a:camera prst="orthographicFront"/>
+      <a:lightRig rig="threePt" dir="t"/>
+    </dgm:scene3d>
+    <dgm:sp3d/>
+    <dgm:txPr/>
+    <dgm:style>
+      <a:lnRef idx="2">
+        <a:scrgbClr r="0" g="0" b="0"/>
+      </a:lnRef>
+      <a:fillRef idx="1">
+        <a:scrgbClr r="0" g="0" b="0"/>
+      </a:fillRef>
+      <a:effectRef idx="0">
+        <a:scrgbClr r="0" g="0" b="0"/>
+      </a:effectRef>
+      <a:fontRef idx="minor">
+        <a:schemeClr val="tx1"/>
+      </a:fontRef>
+    </dgm:style>
+  </dgm:styleLbl>
+  <dgm:styleLbl name="alignNode1">
+    <dgm:scene3d>
+      <a:camera prst="orthographicFront"/>
+      <a:lightRig rig="threePt" dir="t"/>
+    </dgm:scene3d>
+    <dgm:sp3d/>
+    <dgm:txPr/>
+    <dgm:style>
+      <a:lnRef idx="2">
+        <a:scrgbClr r="0" g="0" b="0"/>
+      </a:lnRef>
+      <a:fillRef idx="1">
+        <a:scrgbClr r="0" g="0" b="0"/>
+      </a:fillRef>
+      <a:effectRef idx="0">
+        <a:scrgbClr r="0" g="0" b="0"/>
+      </a:effectRef>
+      <a:fontRef idx="minor">
+        <a:schemeClr val="lt1"/>
+      </a:fontRef>
+    </dgm:style>
+  </dgm:styleLbl>
+  <dgm:styleLbl name="node1">
+    <dgm:scene3d>
+      <a:camera prst="orthographicFront"/>
+      <a:lightRig rig="threePt" dir="t"/>
+    </dgm:scene3d>
+    <dgm:sp3d/>
+    <dgm:txPr/>
+    <dgm:style>
+      <a:lnRef idx="2">
+        <a:scrgbClr r="0" g="0" b="0"/>
+      </a:lnRef>
+      <a:fillRef idx="1">
+        <a:scrgbClr r="0" g="0" b="0"/>
+      </a:fillRef>
+      <a:effectRef idx="0">
+        <a:scrgbClr r="0" g="0" b="0"/>
+      </a:effectRef>
+      <a:fontRef idx="minor">
+        <a:schemeClr val="lt1"/>
+      </a:fontRef>
+    </dgm:style>
+  </dgm:styleLbl>
+  <dgm:styleLbl name="node2">
+    <dgm:scene3d>
+      <a:camera prst="orthographicFront"/>
+      <a:lightRig rig="threePt" dir="t"/>
+    </dgm:scene3d>
+    <dgm:sp3d/>
+    <dgm:txPr/>
+    <dgm:style>
+      <a:lnRef idx="2">
+        <a:scrgbClr r="0" g="0" b="0"/>
+      </a:lnRef>
+      <a:fillRef idx="1">
+        <a:scrgbClr r="0" g="0" b="0"/>
+      </a:fillRef>
+      <a:effectRef idx="0">
+        <a:scrgbClr r="0" g="0" b="0"/>
+      </a:effectRef>
+      <a:fontRef idx="minor">
+        <a:schemeClr val="lt1"/>
+      </a:fontRef>
+    </dgm:style>
+  </dgm:styleLbl>
+  <dgm:styleLbl name="node3">
+    <dgm:scene3d>
+      <a:camera prst="orthographicFront"/>
+      <a:lightRig rig="threePt" dir="t"/>
+    </dgm:scene3d>
+    <dgm:sp3d/>
+    <dgm:txPr/>
+    <dgm:style>
+      <a:lnRef idx="2">
+        <a:scrgbClr r="0" g="0" b="0"/>
+      </a:lnRef>
+      <a:fillRef idx="1">
+        <a:scrgbClr r="0" g="0" b="0"/>
+      </a:fillRef>
+      <a:effectRef idx="0">
+        <a:scrgbClr r="0" g="0" b="0"/>
+      </a:effectRef>
+      <a:fontRef idx="minor">
+        <a:schemeClr val="lt1"/>
+      </a:fontRef>
+    </dgm:style>
+  </dgm:styleLbl>
+  <dgm:styleLbl name="node4">
+    <dgm:scene3d>
+      <a:camera prst="orthographicFront"/>
+      <a:lightRig rig="threePt" dir="t"/>
+    </dgm:scene3d>
+    <dgm:sp3d/>
+    <dgm:txPr/>
+    <dgm:style>
+      <a:lnRef idx="2">
+        <a:scrgbClr r="0" g="0" b="0"/>
+      </a:lnRef>
+      <a:fillRef idx="1">
+        <a:scrgbClr r="0" g="0" b="0"/>
+      </a:fillRef>
+      <a:effectRef idx="0">
+        <a:scrgbClr r="0" g="0" b="0"/>
+      </a:effectRef>
+      <a:fontRef idx="minor">
+        <a:schemeClr val="lt1"/>
+      </a:fontRef>
+    </dgm:style>
+  </dgm:styleLbl>
+  <dgm:styleLbl name="fgImgPlace1">
+    <dgm:scene3d>
+      <a:camera prst="orthographicFront"/>
+      <a:lightRig rig="threePt" dir="t"/>
+    </dgm:scene3d>
+    <dgm:sp3d/>
+    <dgm:txPr/>
+    <dgm:style>
+      <a:lnRef idx="2">
+        <a:scrgbClr r="0" g="0" b="0"/>
+      </a:lnRef>
+      <a:fillRef idx="1">
+        <a:scrgbClr r="0" g="0" b="0"/>
+      </a:fillRef>
+      <a:effectRef idx="0">
+        <a:scrgbClr r="0" g="0" b="0"/>
+      </a:effectRef>
+      <a:fontRef idx="minor"/>
+    </dgm:style>
+  </dgm:styleLbl>
+  <dgm:styleLbl name="alignImgPlace1">
+    <dgm:scene3d>
+      <a:camera prst="orthographicFront"/>
+      <a:lightRig rig="threePt" dir="t"/>
+    </dgm:scene3d>
+    <dgm:sp3d/>
+    <dgm:txPr/>
+    <dgm:style>
+      <a:lnRef idx="2">
+        <a:scrgbClr r="0" g="0" b="0"/>
+      </a:lnRef>
+      <a:fillRef idx="1">
+        <a:scrgbClr r="0" g="0" b="0"/>
+      </a:fillRef>
+      <a:effectRef idx="0">
+        <a:scrgbClr r="0" g="0" b="0"/>
+      </a:effectRef>
+      <a:fontRef idx="minor"/>
+    </dgm:style>
+  </dgm:styleLbl>
+  <dgm:styleLbl name="bgImgPlace1">
+    <dgm:scene3d>
+      <a:camera prst="orthographicFront"/>
+      <a:lightRig rig="threePt" dir="t"/>
+    </dgm:scene3d>
+    <dgm:sp3d/>
+    <dgm:txPr/>
+    <dgm:style>
+      <a:lnRef idx="2">
+        <a:scrgbClr r="0" g="0" b="0"/>
+      </a:lnRef>
+      <a:fillRef idx="1">
+        <a:scrgbClr r="0" g="0" b="0"/>
+      </a:fillRef>
+      <a:effectRef idx="0">
+        <a:scrgbClr r="0" g="0" b="0"/>
+      </a:effectRef>
+      <a:fontRef idx="minor"/>
+    </dgm:style>
+  </dgm:styleLbl>
+  <dgm:styleLbl name="sibTrans2D1">
+    <dgm:scene3d>
+      <a:camera prst="orthographicFront"/>
+      <a:lightRig rig="threePt" dir="t"/>
+    </dgm:scene3d>
+    <dgm:sp3d/>
+    <dgm:txPr/>
+    <dgm:style>
+      <a:lnRef idx="0">
+        <a:scrgbClr r="0" g="0" b="0"/>
+      </a:lnRef>
+      <a:fillRef idx="1">
+        <a:scrgbClr r="0" g="0" b="0"/>
+      </a:fillRef>
+      <a:effectRef idx="0">
+        <a:scrgbClr r="0" g="0" b="0"/>
+      </a:effectRef>
+      <a:fontRef idx="minor">
+        <a:schemeClr val="lt1"/>
+      </a:fontRef>
+    </dgm:style>
+  </dgm:styleLbl>
+  <dgm:styleLbl name="fgSibTrans2D1">
+    <dgm:scene3d>
+      <a:camera prst="orthographicFront"/>
+      <a:lightRig rig="threePt" dir="t"/>
+    </dgm:scene3d>
+    <dgm:sp3d/>
+    <dgm:txPr/>
+    <dgm:style>
+      <a:lnRef idx="0">
+        <a:scrgbClr r="0" g="0" b="0"/>
+      </a:lnRef>
+      <a:fillRef idx="1">
+        <a:scrgbClr r="0" g="0" b="0"/>
+      </a:fillRef>
+      <a:effectRef idx="0">
+        <a:scrgbClr r="0" g="0" b="0"/>
+      </a:effectRef>
+      <a:fontRef idx="minor">
+        <a:schemeClr val="lt1"/>
+      </a:fontRef>
+    </dgm:style>
+  </dgm:styleLbl>
+  <dgm:styleLbl name="bgSibTrans2D1">
+    <dgm:scene3d>
+      <a:camera prst="orthographicFront"/>
+      <a:lightRig rig="threePt" dir="t"/>
+    </dgm:scene3d>
+    <dgm:sp3d/>
+    <dgm:txPr/>
+    <dgm:style>
+      <a:lnRef idx="0">
+        <a:scrgbClr r="0" g="0" b="0"/>
+      </a:lnRef>
+      <a:fillRef idx="1">
+        <a:scrgbClr r="0" g="0" b="0"/>
+      </a:fillRef>
+      <a:effectRef idx="0">
+        <a:scrgbClr r="0" g="0" b="0"/>
+      </a:effectRef>
+      <a:fontRef idx="minor">
+        <a:schemeClr val="lt1"/>
+      </a:fontRef>
+    </dgm:style>
+  </dgm:styleLbl>
+  <dgm:styleLbl name="sibTrans1D1">
+    <dgm:scene3d>
+      <a:camera prst="orthographicFront"/>
+      <a:lightRig rig="threePt" dir="t"/>
+    </dgm:scene3d>
+    <dgm:sp3d/>
+    <dgm:txPr/>
+    <dgm:style>
+      <a:lnRef idx="1">
+        <a:scrgbClr r="0" g="0" b="0"/>
+      </a:lnRef>
+      <a:fillRef idx="0">
+        <a:scrgbClr r="0" g="0" b="0"/>
+      </a:fillRef>
+      <a:effectRef idx="0">
+        <a:scrgbClr r="0" g="0" b="0"/>
+      </a:effectRef>
+      <a:fontRef idx="minor"/>
+    </dgm:style>
+  </dgm:styleLbl>
+  <dgm:styleLbl name="callout">
+    <dgm:scene3d>
+      <a:camera prst="orthographicFront"/>
+      <a:lightRig rig="threePt" dir="t"/>
+    </dgm:scene3d>
+    <dgm:sp3d/>
+    <dgm:txPr/>
+    <dgm:style>
+      <a:lnRef idx="2">
+        <a:scrgbClr r="0" g="0" b="0"/>
+      </a:lnRef>
+      <a:fillRef idx="1">
+        <a:scrgbClr r="0" g="0" b="0"/>
+      </a:fillRef>
+      <a:effectRef idx="0">
+        <a:scrgbClr r="0" g="0" b="0"/>
+      </a:effectRef>
+      <a:fontRef idx="minor"/>
+    </dgm:style>
+  </dgm:styleLbl>
+  <dgm:styleLbl name="asst0">
+    <dgm:scene3d>
+      <a:camera prst="orthographicFront"/>
+      <a:lightRig rig="threePt" dir="t"/>
+    </dgm:scene3d>
+    <dgm:sp3d/>
+    <dgm:txPr/>
+    <dgm:style>
+      <a:lnRef idx="2">
+        <a:scrgbClr r="0" g="0" b="0"/>
+      </a:lnRef>
+      <a:fillRef idx="1">
+        <a:scrgbClr r="0" g="0" b="0"/>
+      </a:fillRef>
+      <a:effectRef idx="0">
+        <a:scrgbClr r="0" g="0" b="0"/>
+      </a:effectRef>
+      <a:fontRef idx="minor">
+        <a:schemeClr val="lt1"/>
+      </a:fontRef>
+    </dgm:style>
+  </dgm:styleLbl>
+  <dgm:styleLbl name="asst1">
+    <dgm:scene3d>
+      <a:camera prst="orthographicFront"/>
+      <a:lightRig rig="threePt" dir="t"/>
+    </dgm:scene3d>
+    <dgm:sp3d/>
+    <dgm:txPr/>
+    <dgm:style>
+      <a:lnRef idx="2">
+        <a:scrgbClr r="0" g="0" b="0"/>
+      </a:lnRef>
+      <a:fillRef idx="1">
+        <a:scrgbClr r="0" g="0" b="0"/>
+      </a:fillRef>
+      <a:effectRef idx="0">
+        <a:scrgbClr r="0" g="0" b="0"/>
+      </a:effectRef>
+      <a:fontRef idx="minor">
+        <a:schemeClr val="lt1"/>
+      </a:fontRef>
+    </dgm:style>
+  </dgm:styleLbl>
+  <dgm:styleLbl name="asst2">
+    <dgm:scene3d>
+      <a:camera prst="orthographicFront"/>
+      <a:lightRig rig="threePt" dir="t"/>
+    </dgm:scene3d>
+    <dgm:sp3d/>
+    <dgm:txPr/>
+    <dgm:style>
+      <a:lnRef idx="2">
+        <a:scrgbClr r="0" g="0" b="0"/>
+      </a:lnRef>
+      <a:fillRef idx="1">
+        <a:scrgbClr r="0" g="0" b="0"/>
+      </a:fillRef>
+      <a:effectRef idx="0">
+        <a:scrgbClr r="0" g="0" b="0"/>
+      </a:effectRef>
+      <a:fontRef idx="minor">
+        <a:schemeClr val="lt1"/>
+      </a:fontRef>
+    </dgm:style>
+  </dgm:styleLbl>
+  <dgm:styleLbl name="asst3">
+    <dgm:scene3d>
+      <a:camera prst="orthographicFront"/>
+      <a:lightRig rig="threePt" dir="t"/>
+    </dgm:scene3d>
+    <dgm:sp3d/>
+    <dgm:txPr/>
+    <dgm:style>
+      <a:lnRef idx="2">
+        <a:scrgbClr r="0" g="0" b="0"/>
+      </a:lnRef>
+      <a:fillRef idx="1">
+        <a:scrgbClr r="0" g="0" b="0"/>
+      </a:fillRef>
+      <a:effectRef idx="0">
+        <a:scrgbClr r="0" g="0" b="0"/>
+      </a:effectRef>
+      <a:fontRef idx="minor">
+        <a:schemeClr val="lt1"/>
+      </a:fontRef>
+    </dgm:style>
+  </dgm:styleLbl>
+  <dgm:styleLbl name="asst4">
+    <dgm:scene3d>
+      <a:camera prst="orthographicFront"/>
+      <a:lightRig rig="threePt" dir="t"/>
+    </dgm:scene3d>
+    <dgm:sp3d/>
+    <dgm:txPr/>
+    <dgm:style>
+      <a:lnRef idx="2">
+        <a:scrgbClr r="0" g="0" b="0"/>
+      </a:lnRef>
+      <a:fillRef idx="1">
+        <a:scrgbClr r="0" g="0" b="0"/>
+      </a:fillRef>
+      <a:effectRef idx="0">
+        <a:scrgbClr r="0" g="0" b="0"/>
+      </a:effectRef>
+      <a:fontRef idx="minor">
+        <a:schemeClr val="lt1"/>
+      </a:fontRef>
+    </dgm:style>
+  </dgm:styleLbl>
+  <dgm:styleLbl name="parChTrans2D1">
+    <dgm:scene3d>
+      <a:camera prst="orthographicFront"/>
+      <a:lightRig rig="threePt" dir="t"/>
+    </dgm:scene3d>
+    <dgm:sp3d/>
+    <dgm:txPr/>
+    <dgm:style>
+      <a:lnRef idx="2">
+        <a:scrgbClr r="0" g="0" b="0"/>
+      </a:lnRef>
+      <a:fillRef idx="1">
+        <a:scrgbClr r="0" g="0" b="0"/>
+      </a:fillRef>
+      <a:effectRef idx="0">
+        <a:scrgbClr r="0" g="0" b="0"/>
+      </a:effectRef>
+      <a:fontRef idx="minor">
+        <a:schemeClr val="lt1"/>
+      </a:fontRef>
+    </dgm:style>
+  </dgm:styleLbl>
+  <dgm:styleLbl name="parChTrans2D2">
+    <dgm:scene3d>
+      <a:camera prst="orthographicFront"/>
+      <a:lightRig rig="threePt" dir="t"/>
+    </dgm:scene3d>
+    <dgm:sp3d/>
+    <dgm:txPr/>
+    <dgm:style>
+      <a:lnRef idx="2">
+        <a:scrgbClr r="0" g="0" b="0"/>
+      </a:lnRef>
+      <a:fillRef idx="1">
+        <a:scrgbClr r="0" g="0" b="0"/>
+      </a:fillRef>
+      <a:effectRef idx="0">
+        <a:scrgbClr r="0" g="0" b="0"/>
+      </a:effectRef>
+      <a:fontRef idx="minor">
+        <a:schemeClr val="lt1"/>
+      </a:fontRef>
+    </dgm:style>
+  </dgm:styleLbl>
+  <dgm:styleLbl name="parChTrans2D3">
+    <dgm:scene3d>
+      <a:camera prst="orthographicFront"/>
+      <a:lightRig rig="threePt" dir="t"/>
+    </dgm:scene3d>
+    <dgm:sp3d/>
+    <dgm:txPr/>
+    <dgm:style>
+      <a:lnRef idx="2">
+        <a:scrgbClr r="0" g="0" b="0"/>
+      </a:lnRef>
+      <a:fillRef idx="1">
+        <a:scrgbClr r="0" g="0" b="0"/>
+      </a:fillRef>
+      <a:effectRef idx="0">
+        <a:scrgbClr r="0" g="0" b="0"/>
+      </a:effectRef>
+      <a:fontRef idx="minor">
+        <a:schemeClr val="lt1"/>
+      </a:fontRef>
+    </dgm:style>
+  </dgm:styleLbl>
+  <dgm:styleLbl name="parChTrans2D4">
+    <dgm:scene3d>
+      <a:camera prst="orthographicFront"/>
+      <a:lightRig rig="threePt" dir="t"/>
+    </dgm:scene3d>
+    <dgm:sp3d/>
+    <dgm:txPr/>
+    <dgm:style>
+      <a:lnRef idx="2">
+        <a:scrgbClr r="0" g="0" b="0"/>
+      </a:lnRef>
+      <a:fillRef idx="1">
+        <a:scrgbClr r="0" g="0" b="0"/>
+      </a:fillRef>
+      <a:effectRef idx="0">
+        <a:scrgbClr r="0" g="0" b="0"/>
+      </a:effectRef>
+      <a:fontRef idx="minor">
+        <a:schemeClr val="lt1"/>
+      </a:fontRef>
+    </dgm:style>
+  </dgm:styleLbl>
+  <dgm:styleLbl name="parChTrans1D1">
+    <dgm:scene3d>
+      <a:camera prst="orthographicFront"/>
+      <a:lightRig rig="threePt" dir="t"/>
+    </dgm:scene3d>
+    <dgm:sp3d/>
+    <dgm:txPr/>
+    <dgm:style>
+      <a:lnRef idx="2">
+        <a:scrgbClr r="0" g="0" b="0"/>
+      </a:lnRef>
+      <a:fillRef idx="0">
+        <a:scrgbClr r="0" g="0" b="0"/>
+      </a:fillRef>
+      <a:effectRef idx="0">
+        <a:scrgbClr r="0" g="0" b="0"/>
+      </a:effectRef>
+      <a:fontRef idx="minor"/>
+    </dgm:style>
+  </dgm:styleLbl>
+  <dgm:styleLbl name="parChTrans1D2">
+    <dgm:scene3d>
+      <a:camera prst="orthographicFront"/>
+      <a:lightRig rig="threePt" dir="t"/>
+    </dgm:scene3d>
+    <dgm:sp3d/>
+    <dgm:txPr/>
+    <dgm:style>
+      <a:lnRef idx="2">
+        <a:scrgbClr r="0" g="0" b="0"/>
+      </a:lnRef>
+      <a:fillRef idx="0">
+        <a:scrgbClr r="0" g="0" b="0"/>
+      </a:fillRef>
+      <a:effectRef idx="0">
+        <a:scrgbClr r="0" g="0" b="0"/>
+      </a:effectRef>
+      <a:fontRef idx="minor"/>
+    </dgm:style>
+  </dgm:styleLbl>
+  <dgm:styleLbl name="parChTrans1D3">
+    <dgm:scene3d>
+      <a:camera prst="orthographicFront"/>
+      <a:lightRig rig="threePt" dir="t"/>
+    </dgm:scene3d>
+    <dgm:sp3d/>
+    <dgm:txPr/>
+    <dgm:style>
+      <a:lnRef idx="2">
+        <a:scrgbClr r="0" g="0" b="0"/>
+      </a:lnRef>
+      <a:fillRef idx="0">
+        <a:scrgbClr r="0" g="0" b="0"/>
+      </a:fillRef>
+      <a:effectRef idx="0">
+        <a:scrgbClr r="0" g="0" b="0"/>
+      </a:effectRef>
+      <a:fontRef idx="minor"/>
+    </dgm:style>
+  </dgm:styleLbl>
+  <dgm:styleLbl name="parChTrans1D4">
+    <dgm:scene3d>
+      <a:camera prst="orthographicFront"/>
+      <a:lightRig rig="threePt" dir="t"/>
+    </dgm:scene3d>
+    <dgm:sp3d/>
+    <dgm:txPr/>
+    <dgm:style>
+      <a:lnRef idx="2">
+        <a:scrgbClr r="0" g="0" b="0"/>
+      </a:lnRef>
+      <a:fillRef idx="0">
+        <a:scrgbClr r="0" g="0" b="0"/>
+      </a:fillRef>
+      <a:effectRef idx="0">
+        <a:scrgbClr r="0" g="0" b="0"/>
+      </a:effectRef>
+      <a:fontRef idx="minor"/>
+    </dgm:style>
+  </dgm:styleLbl>
+  <dgm:styleLbl name="fgAcc1">
+    <dgm:scene3d>
+      <a:camera prst="orthographicFront"/>
+      <a:lightRig rig="threePt" dir="t"/>
+    </dgm:scene3d>
+    <dgm:sp3d/>
+    <dgm:txPr/>
+    <dgm:style>
+      <a:lnRef idx="2">
+        <a:scrgbClr r="0" g="0" b="0"/>
+      </a:lnRef>
+      <a:fillRef idx="1">
+        <a:scrgbClr r="0" g="0" b="0"/>
+      </a:fillRef>
+      <a:effectRef idx="0">
+        <a:scrgbClr r="0" g="0" b="0"/>
+      </a:effectRef>
+      <a:fontRef idx="minor"/>
+    </dgm:style>
+  </dgm:styleLbl>
+  <dgm:styleLbl name="conFgAcc1">
+    <dgm:scene3d>
+      <a:camera prst="orthographicFront"/>
+      <a:lightRig rig="threePt" dir="t"/>
+    </dgm:scene3d>
+    <dgm:sp3d/>
+    <dgm:txPr/>
+    <dgm:style>
+      <a:lnRef idx="2">
+        <a:scrgbClr r="0" g="0" b="0"/>
+      </a:lnRef>
+      <a:fillRef idx="1">
+        <a:scrgbClr r="0" g="0" b="0"/>
+      </a:fillRef>
+      <a:effectRef idx="0">
+        <a:scrgbClr r="0" g="0" b="0"/>
+      </a:effectRef>
+      <a:fontRef idx="minor"/>
+    </dgm:style>
+  </dgm:styleLbl>
+  <dgm:styleLbl name="alignAcc1">
+    <dgm:scene3d>
+      <a:camera prst="orthographicFront"/>
+      <a:lightRig rig="threePt" dir="t"/>
+    </dgm:scene3d>
+    <dgm:sp3d/>
+    <dgm:txPr/>
+    <dgm:style>
+      <a:lnRef idx="2">
+        <a:scrgbClr r="0" g="0" b="0"/>
+      </a:lnRef>
+      <a:fillRef idx="1">
+        <a:scrgbClr r="0" g="0" b="0"/>
+      </a:fillRef>
+      <a:effectRef idx="0">
+        <a:scrgbClr r="0" g="0" b="0"/>
+      </a:effectRef>
+      <a:fontRef idx="minor"/>
+    </dgm:style>
+  </dgm:styleLbl>
+  <dgm:styleLbl name="trAlignAcc1">
+    <dgm:scene3d>
+      <a:camera prst="orthographicFront"/>
+      <a:lightRig rig="threePt" dir="t"/>
+    </dgm:scene3d>
+    <dgm:sp3d/>
+    <dgm:txPr/>
+    <dgm:style>
+      <a:lnRef idx="1">
+        <a:scrgbClr r="0" g="0" b="0"/>
+      </a:lnRef>
+      <a:fillRef idx="1">
+        <a:scrgbClr r="0" g="0" b="0"/>
+      </a:fillRef>
+      <a:effectRef idx="0">
+        <a:scrgbClr r="0" g="0" b="0"/>
+      </a:effectRef>
+      <a:fontRef idx="minor"/>
+    </dgm:style>
+  </dgm:styleLbl>
+  <dgm:styleLbl name="bgAcc1">
+    <dgm:scene3d>
+      <a:camera prst="orthographicFront"/>
+      <a:lightRig rig="threePt" dir="t"/>
+    </dgm:scene3d>
+    <dgm:sp3d/>
+    <dgm:txPr/>
+    <dgm:style>
+      <a:lnRef idx="2">
+        <a:scrgbClr r="0" g="0" b="0"/>
+      </a:lnRef>
+      <a:fillRef idx="1">
+        <a:scrgbClr r="0" g="0" b="0"/>
+      </a:fillRef>
+      <a:effectRef idx="0">
+        <a:scrgbClr r="0" g="0" b="0"/>
+      </a:effectRef>
+      <a:fontRef idx="minor"/>
+    </dgm:style>
+  </dgm:styleLbl>
+  <dgm:styleLbl name="solidFgAcc1">
+    <dgm:scene3d>
+      <a:camera prst="orthographicFront"/>
+      <a:lightRig rig="threePt" dir="t"/>
+    </dgm:scene3d>
+    <dgm:sp3d/>
+    <dgm:txPr/>
+    <dgm:style>
+      <a:lnRef idx="2">
+        <a:scrgbClr r="0" g="0" b="0"/>
+      </a:lnRef>
+      <a:fillRef idx="1">
+        <a:scrgbClr r="0" g="0" b="0"/>
+      </a:fillRef>
+      <a:effectRef idx="0">
+        <a:scrgbClr r="0" g="0" b="0"/>
+      </a:effectRef>
+      <a:fontRef idx="minor"/>
+    </dgm:style>
+  </dgm:styleLbl>
+  <dgm:styleLbl name="solidAlignAcc1">
+    <dgm:scene3d>
+      <a:camera prst="orthographicFront"/>
+      <a:lightRig rig="threePt" dir="t"/>
+    </dgm:scene3d>
+    <dgm:sp3d/>
+    <dgm:txPr/>
+    <dgm:style>
+      <a:lnRef idx="2">
+        <a:scrgbClr r="0" g="0" b="0"/>
+      </a:lnRef>
+      <a:fillRef idx="1">
+        <a:scrgbClr r="0" g="0" b="0"/>
+      </a:fillRef>
+      <a:effectRef idx="0">
+        <a:scrgbClr r="0" g="0" b="0"/>
+      </a:effectRef>
+      <a:fontRef idx="minor"/>
+    </dgm:style>
+  </dgm:styleLbl>
+  <dgm:styleLbl name="solidBgAcc1">
+    <dgm:scene3d>
+      <a:camera prst="orthographicFront"/>
+      <a:lightRig rig="threePt" dir="t"/>
+    </dgm:scene3d>
+    <dgm:sp3d/>
+    <dgm:txPr/>
+    <dgm:style>
+      <a:lnRef idx="2">
+        <a:scrgbClr r="0" g="0" b="0"/>
+      </a:lnRef>
+      <a:fillRef idx="1">
+        <a:scrgbClr r="0" g="0" b="0"/>
+      </a:fillRef>
+      <a:effectRef idx="0">
+        <a:scrgbClr r="0" g="0" b="0"/>
+      </a:effectRef>
+      <a:fontRef idx="minor"/>
+    </dgm:style>
+  </dgm:styleLbl>
+  <dgm:styleLbl name="fgAccFollowNode1">
+    <dgm:scene3d>
+      <a:camera prst="orthographicFront"/>
+      <a:lightRig rig="threePt" dir="t"/>
+    </dgm:scene3d>
+    <dgm:sp3d/>
+    <dgm:txPr/>
+    <dgm:style>
+      <a:lnRef idx="2">
+        <a:scrgbClr r="0" g="0" b="0"/>
+      </a:lnRef>
+      <a:fillRef idx="1">
+        <a:scrgbClr r="0" g="0" b="0"/>
+      </a:fillRef>
+      <a:effectRef idx="0">
+        <a:scrgbClr r="0" g="0" b="0"/>
+      </a:effectRef>
+      <a:fontRef idx="minor"/>
+    </dgm:style>
+  </dgm:styleLbl>
+  <dgm:styleLbl name="alignAccFollowNode1">
+    <dgm:scene3d>
+      <a:camera prst="orthographicFront"/>
+      <a:lightRig rig="threePt" dir="t"/>
+    </dgm:scene3d>
+    <dgm:sp3d/>
+    <dgm:txPr/>
+    <dgm:style>
+      <a:lnRef idx="2">
+        <a:scrgbClr r="0" g="0" b="0"/>
+      </a:lnRef>
+      <a:fillRef idx="1">
+        <a:scrgbClr r="0" g="0" b="0"/>
+      </a:fillRef>
+      <a:effectRef idx="0">
+        <a:scrgbClr r="0" g="0" b="0"/>
+      </a:effectRef>
+      <a:fontRef idx="minor"/>
+    </dgm:style>
+  </dgm:styleLbl>
+  <dgm:styleLbl name="bgAccFollowNode1">
+    <dgm:scene3d>
+      <a:camera prst="orthographicFront"/>
+      <a:lightRig rig="threePt" dir="t"/>
+    </dgm:scene3d>
+    <dgm:sp3d/>
+    <dgm:txPr/>
+    <dgm:style>
+      <a:lnRef idx="2">
+        <a:scrgbClr r="0" g="0" b="0"/>
+      </a:lnRef>
+      <a:fillRef idx="1">
+        <a:scrgbClr r="0" g="0" b="0"/>
+      </a:fillRef>
+      <a:effectRef idx="0">
+        <a:scrgbClr r="0" g="0" b="0"/>
+      </a:effectRef>
+      <a:fontRef idx="minor"/>
+    </dgm:style>
+  </dgm:styleLbl>
+  <dgm:styleLbl name="fgAcc0">
+    <dgm:scene3d>
+      <a:camera prst="orthographicFront"/>
+      <a:lightRig rig="threePt" dir="t"/>
+    </dgm:scene3d>
+    <dgm:sp3d/>
+    <dgm:txPr/>
+    <dgm:style>
+      <a:lnRef idx="2">
+        <a:scrgbClr r="0" g="0" b="0"/>
+      </a:lnRef>
+      <a:fillRef idx="1">
+        <a:scrgbClr r="0" g="0" b="0"/>
+      </a:fillRef>
+      <a:effectRef idx="0">
+        <a:scrgbClr r="0" g="0" b="0"/>
+      </a:effectRef>
+      <a:fontRef idx="minor"/>
+    </dgm:style>
+  </dgm:styleLbl>
+  <dgm:styleLbl name="fgAcc2">
+    <dgm:scene3d>
+      <a:camera prst="orthographicFront"/>
+      <a:lightRig rig="threePt" dir="t"/>
+    </dgm:scene3d>
+    <dgm:sp3d/>
+    <dgm:txPr/>
+    <dgm:style>
+      <a:lnRef idx="2">
+        <a:scrgbClr r="0" g="0" b="0"/>
+      </a:lnRef>
+      <a:fillRef idx="1">
+        <a:scrgbClr r="0" g="0" b="0"/>
+      </a:fillRef>
+      <a:effectRef idx="0">
+        <a:scrgbClr r="0" g="0" b="0"/>
+      </a:effectRef>
+      <a:fontRef idx="minor"/>
+    </dgm:style>
+  </dgm:styleLbl>
+  <dgm:styleLbl name="fgAcc3">
+    <dgm:scene3d>
+      <a:camera prst="orthographicFront"/>
+      <a:lightRig rig="threePt" dir="t"/>
+    </dgm:scene3d>
+    <dgm:sp3d/>
+    <dgm:txPr/>
+    <dgm:style>
+      <a:lnRef idx="2">
+        <a:scrgbClr r="0" g="0" b="0"/>
+      </a:lnRef>
+      <a:fillRef idx="1">
+        <a:scrgbClr r="0" g="0" b="0"/>
+      </a:fillRef>
+      <a:effectRef idx="0">
+        <a:scrgbClr r="0" g="0" b="0"/>
+      </a:effectRef>
+      <a:fontRef idx="minor"/>
+    </dgm:style>
+  </dgm:styleLbl>
+  <dgm:styleLbl name="fgAcc4">
+    <dgm:scene3d>
+      <a:camera prst="orthographicFront"/>
+      <a:lightRig rig="threePt" dir="t"/>
+    </dgm:scene3d>
+    <dgm:sp3d/>
+    <dgm:txPr/>
+    <dgm:style>
+      <a:lnRef idx="2">
+        <a:scrgbClr r="0" g="0" b="0"/>
+      </a:lnRef>
+      <a:fillRef idx="1">
+        <a:scrgbClr r="0" g="0" b="0"/>
+      </a:fillRef>
+      <a:effectRef idx="0">
+        <a:scrgbClr r="0" g="0" b="0"/>
+      </a:effectRef>
+      <a:fontRef idx="minor"/>
+    </dgm:style>
+  </dgm:styleLbl>
+  <dgm:styleLbl name="bgShp">
+    <dgm:scene3d>
+      <a:camera prst="orthographicFront"/>
+      <a:lightRig rig="threePt" dir="t"/>
+    </dgm:scene3d>
+    <dgm:sp3d/>
+    <dgm:txPr/>
+    <dgm:style>
+      <a:lnRef idx="0">
+        <a:scrgbClr r="0" g="0" b="0"/>
+      </a:lnRef>
+      <a:fillRef idx="1">
+        <a:scrgbClr r="0" g="0" b="0"/>
+      </a:fillRef>
+      <a:effectRef idx="0">
+        <a:scrgbClr r="0" g="0" b="0"/>
+      </a:effectRef>
+      <a:fontRef idx="minor"/>
+    </dgm:style>
+  </dgm:styleLbl>
+  <dgm:styleLbl name="dkBgShp">
+    <dgm:scene3d>
+      <a:camera prst="orthographicFront"/>
+      <a:lightRig rig="threePt" dir="t"/>
+    </dgm:scene3d>
+    <dgm:sp3d/>
+    <dgm:txPr/>
+    <dgm:style>
+      <a:lnRef idx="0">
+        <a:scrgbClr r="0" g="0" b="0"/>
+      </a:lnRef>
+      <a:fillRef idx="1">
+        <a:scrgbClr r="0" g="0" b="0"/>
+      </a:fillRef>
+      <a:effectRef idx="0">
+        <a:scrgbClr r="0" g="0" b="0"/>
+      </a:effectRef>
+      <a:fontRef idx="minor"/>
+    </dgm:style>
+  </dgm:styleLbl>
+  <dgm:styleLbl name="trBgShp">
+    <dgm:scene3d>
+      <a:camera prst="orthographicFront"/>
+      <a:lightRig rig="threePt" dir="t"/>
+    </dgm:scene3d>
+    <dgm:sp3d/>
+    <dgm:txPr/>
+    <dgm:style>
+      <a:lnRef idx="0">
+        <a:scrgbClr r="0" g="0" b="0"/>
+      </a:lnRef>
+      <a:fillRef idx="1">
+        <a:scrgbClr r="0" g="0" b="0"/>
+      </a:fillRef>
+      <a:effectRef idx="0">
+        <a:scrgbClr r="0" g="0" b="0"/>
+      </a:effectRef>
+      <a:fontRef idx="minor"/>
+    </dgm:style>
+  </dgm:styleLbl>
+  <dgm:styleLbl name="fgShp">
+    <dgm:scene3d>
+      <a:camera prst="orthographicFront"/>
+      <a:lightRig rig="threePt" dir="t"/>
+    </dgm:scene3d>
+    <dgm:sp3d/>
+    <dgm:txPr/>
+    <dgm:style>
+      <a:lnRef idx="2">
+        <a:scrgbClr r="0" g="0" b="0"/>
+      </a:lnRef>
+      <a:fillRef idx="1">
+        <a:scrgbClr r="0" g="0" b="0"/>
+      </a:fillRef>
+      <a:effectRef idx="0">
+        <a:scrgbClr r="0" g="0" b="0"/>
+      </a:effectRef>
+      <a:fontRef idx="minor"/>
+    </dgm:style>
+  </dgm:styleLbl>
+  <dgm:styleLbl name="revTx">
+    <dgm:scene3d>
+      <a:camera prst="orthographicFront"/>
+      <a:lightRig rig="threePt" dir="t"/>
+    </dgm:scene3d>
+    <dgm:sp3d/>
+    <dgm:txPr/>
+    <dgm:style>
+      <a:lnRef idx="0">
+        <a:scrgbClr r="0" g="0" b="0"/>
+      </a:lnRef>
+      <a:fillRef idx="0">
+        <a:scrgbClr r="0" g="0" b="0"/>
+      </a:fillRef>
+      <a:effectRef idx="0">
+        <a:scrgbClr r="0" g="0" b="0"/>
+      </a:effectRef>
+      <a:fontRef idx="minor"/>
+    </dgm:style>
+  </dgm:styleLbl>
+</dgm:styleDef>
+</file>
+
 <file path=ppt/slideLayouts/slideLayout1.xml><?xml version="1.0" encoding="utf-8"?>
 <p:sldLayout xmlns:a="http://schemas.openxmlformats.org/drawingml/2006/main" xmlns:r="http://schemas.openxmlformats.org/officeDocument/2006/relationships" xmlns:p="http://schemas.openxmlformats.org/presentationml/2006/main" type="title" preserve="1">
   <p:cSld name="Title Slide">
@@ -4063,7 +7656,7 @@
           <a:p>
             <a:fld id="{0E44C170-D28C-445B-865C-9986C90B5518}" type="datetimeFigureOut">
               <a:rPr lang="en-US" smtClean="0"/>
-              <a:t>11/12/2020</a:t>
+              <a:t>11/16/2020</a:t>
             </a:fld>
             <a:endParaRPr lang="en-US"/>
           </a:p>
@@ -4261,7 +7854,7 @@
           <a:p>
             <a:fld id="{0E44C170-D28C-445B-865C-9986C90B5518}" type="datetimeFigureOut">
               <a:rPr lang="en-US" smtClean="0"/>
-              <a:t>11/12/2020</a:t>
+              <a:t>11/16/2020</a:t>
             </a:fld>
             <a:endParaRPr lang="en-US"/>
           </a:p>
@@ -4469,7 +8062,7 @@
           <a:p>
             <a:fld id="{0E44C170-D28C-445B-865C-9986C90B5518}" type="datetimeFigureOut">
               <a:rPr lang="en-US" smtClean="0"/>
-              <a:t>11/12/2020</a:t>
+              <a:t>11/16/2020</a:t>
             </a:fld>
             <a:endParaRPr lang="en-US"/>
           </a:p>
@@ -4667,7 +8260,7 @@
           <a:p>
             <a:fld id="{0E44C170-D28C-445B-865C-9986C90B5518}" type="datetimeFigureOut">
               <a:rPr lang="en-US" smtClean="0"/>
-              <a:t>11/12/2020</a:t>
+              <a:t>11/16/2020</a:t>
             </a:fld>
             <a:endParaRPr lang="en-US"/>
           </a:p>
@@ -4942,7 +8535,7 @@
           <a:p>
             <a:fld id="{0E44C170-D28C-445B-865C-9986C90B5518}" type="datetimeFigureOut">
               <a:rPr lang="en-US" smtClean="0"/>
-              <a:t>11/12/2020</a:t>
+              <a:t>11/16/2020</a:t>
             </a:fld>
             <a:endParaRPr lang="en-US"/>
           </a:p>
@@ -5207,7 +8800,7 @@
           <a:p>
             <a:fld id="{0E44C170-D28C-445B-865C-9986C90B5518}" type="datetimeFigureOut">
               <a:rPr lang="en-US" smtClean="0"/>
-              <a:t>11/12/2020</a:t>
+              <a:t>11/16/2020</a:t>
             </a:fld>
             <a:endParaRPr lang="en-US"/>
           </a:p>
@@ -5619,7 +9212,7 @@
           <a:p>
             <a:fld id="{0E44C170-D28C-445B-865C-9986C90B5518}" type="datetimeFigureOut">
               <a:rPr lang="en-US" smtClean="0"/>
-              <a:t>11/12/2020</a:t>
+              <a:t>11/16/2020</a:t>
             </a:fld>
             <a:endParaRPr lang="en-US"/>
           </a:p>
@@ -5760,7 +9353,7 @@
           <a:p>
             <a:fld id="{0E44C170-D28C-445B-865C-9986C90B5518}" type="datetimeFigureOut">
               <a:rPr lang="en-US" smtClean="0"/>
-              <a:t>11/12/2020</a:t>
+              <a:t>11/16/2020</a:t>
             </a:fld>
             <a:endParaRPr lang="en-US"/>
           </a:p>
@@ -5873,7 +9466,7 @@
           <a:p>
             <a:fld id="{0E44C170-D28C-445B-865C-9986C90B5518}" type="datetimeFigureOut">
               <a:rPr lang="en-US" smtClean="0"/>
-              <a:t>11/12/2020</a:t>
+              <a:t>11/16/2020</a:t>
             </a:fld>
             <a:endParaRPr lang="en-US"/>
           </a:p>
@@ -6184,7 +9777,7 @@
           <a:p>
             <a:fld id="{0E44C170-D28C-445B-865C-9986C90B5518}" type="datetimeFigureOut">
               <a:rPr lang="en-US" smtClean="0"/>
-              <a:t>11/12/2020</a:t>
+              <a:t>11/16/2020</a:t>
             </a:fld>
             <a:endParaRPr lang="en-US"/>
           </a:p>
@@ -6472,7 +10065,7 @@
           <a:p>
             <a:fld id="{0E44C170-D28C-445B-865C-9986C90B5518}" type="datetimeFigureOut">
               <a:rPr lang="en-US" smtClean="0"/>
-              <a:t>11/12/2020</a:t>
+              <a:t>11/16/2020</a:t>
             </a:fld>
             <a:endParaRPr lang="en-US"/>
           </a:p>
@@ -6713,7 +10306,7 @@
           <a:p>
             <a:fld id="{0E44C170-D28C-445B-865C-9986C90B5518}" type="datetimeFigureOut">
               <a:rPr lang="en-US" smtClean="0"/>
-              <a:t>11/12/2020</a:t>
+              <a:t>11/16/2020</a:t>
             </a:fld>
             <a:endParaRPr lang="en-US"/>
           </a:p>
@@ -7202,6 +10795,95 @@
 </p:sld>
 </file>
 
+<file path=ppt/slides/slide2.xml><?xml version="1.0" encoding="utf-8"?>
+<p:sld xmlns:a="http://schemas.openxmlformats.org/drawingml/2006/main" xmlns:r="http://schemas.openxmlformats.org/officeDocument/2006/relationships" xmlns:p="http://schemas.openxmlformats.org/presentationml/2006/main">
+  <p:cSld>
+    <p:spTree>
+      <p:nvGrpSpPr>
+        <p:cNvPr id="1" name=""/>
+        <p:cNvGrpSpPr/>
+        <p:nvPr/>
+      </p:nvGrpSpPr>
+      <p:grpSpPr>
+        <a:xfrm>
+          <a:off x="0" y="0"/>
+          <a:ext cx="0" cy="0"/>
+          <a:chOff x="0" y="0"/>
+          <a:chExt cx="0" cy="0"/>
+        </a:xfrm>
+      </p:grpSpPr>
+      <p:sp>
+        <p:nvSpPr>
+          <p:cNvPr id="4" name="Title 3">
+            <a:extLst>
+              <a:ext uri="{FF2B5EF4-FFF2-40B4-BE49-F238E27FC236}">
+                <a16:creationId xmlns:a16="http://schemas.microsoft.com/office/drawing/2014/main" id="{80ECA9BC-4A44-442E-8CDC-D1A2367DCF34}"/>
+              </a:ext>
+            </a:extLst>
+          </p:cNvPr>
+          <p:cNvSpPr>
+            <a:spLocks noGrp="1"/>
+          </p:cNvSpPr>
+          <p:nvPr>
+            <p:ph type="title"/>
+          </p:nvPr>
+        </p:nvSpPr>
+        <p:spPr/>
+        <p:txBody>
+          <a:bodyPr/>
+          <a:lstStyle/>
+          <a:p>
+            <a:r>
+              <a:rPr lang="en-US" dirty="0"/>
+              <a:t>Component Hierarchy</a:t>
+            </a:r>
+          </a:p>
+        </p:txBody>
+      </p:sp>
+      <p:graphicFrame>
+        <p:nvGraphicFramePr>
+          <p:cNvPr id="8" name="Content Placeholder 7">
+            <a:extLst>
+              <a:ext uri="{FF2B5EF4-FFF2-40B4-BE49-F238E27FC236}">
+                <a16:creationId xmlns:a16="http://schemas.microsoft.com/office/drawing/2014/main" id="{641208BD-60C1-4A2D-B5A9-69423275AFBF}"/>
+              </a:ext>
+            </a:extLst>
+          </p:cNvPr>
+          <p:cNvGraphicFramePr>
+            <a:graphicFrameLocks noGrp="1"/>
+          </p:cNvGraphicFramePr>
+          <p:nvPr>
+            <p:ph idx="1"/>
+            <p:extLst>
+              <p:ext uri="{D42A27DB-BD31-4B8C-83A1-F6EECF244321}">
+                <p14:modId xmlns:p14="http://schemas.microsoft.com/office/powerpoint/2010/main" val="2099810960"/>
+              </p:ext>
+            </p:extLst>
+          </p:nvPr>
+        </p:nvGraphicFramePr>
+        <p:xfrm>
+          <a:off x="838200" y="1825625"/>
+          <a:ext cx="10515600" cy="4351338"/>
+        </p:xfrm>
+        <a:graphic>
+          <a:graphicData uri="http://schemas.openxmlformats.org/drawingml/2006/diagram">
+            <dgm:relIds xmlns:dgm="http://schemas.openxmlformats.org/drawingml/2006/diagram" xmlns:r="http://schemas.openxmlformats.org/officeDocument/2006/relationships" r:dm="rId2" r:lo="rId3" r:qs="rId4" r:cs="rId5"/>
+          </a:graphicData>
+        </a:graphic>
+      </p:graphicFrame>
+    </p:spTree>
+    <p:extLst>
+      <p:ext uri="{BB962C8B-B14F-4D97-AF65-F5344CB8AC3E}">
+        <p14:creationId xmlns:p14="http://schemas.microsoft.com/office/powerpoint/2010/main" val="3286304286"/>
+      </p:ext>
+    </p:extLst>
+  </p:cSld>
+  <p:clrMapOvr>
+    <a:masterClrMapping/>
+  </p:clrMapOvr>
+</p:sld>
+</file>
+
 <file path=ppt/theme/theme1.xml><?xml version="1.0" encoding="utf-8"?>
 <a:theme xmlns:a="http://schemas.openxmlformats.org/drawingml/2006/main" name="Office Theme">
   <a:themeElements>
